--- a/A조 폼보드.pptx
+++ b/A조 폼보드.pptx
@@ -2,16 +2,20 @@
 <file path=ppt/presentation.xml><?xml version="1.0" encoding="utf-8"?>
 <p:presentation xmlns:r="http://schemas.openxmlformats.org/officeDocument/2006/relationships" xmlns:c="http://schemas.openxmlformats.org/drawingml/2006/chart" xmlns:a="http://schemas.openxmlformats.org/drawingml/2006/main" xmlns:dgm="http://schemas.openxmlformats.org/drawingml/2006/diagram" xmlns:dsp="http://schemas.microsoft.com/office/drawing/2008/diagram" xmlns:p="http://schemas.openxmlformats.org/presentationml/2006/main">
   <p:sldMasterIdLst>
-    <p:sldMasterId id="2147483689" r:id="rId1"/>
+    <p:sldMasterId id="2147483686" r:id="rId1"/>
   </p:sldMasterIdLst>
+  <p:notesMasterIdLst>
+    <p:notesMasterId r:id="rId2"/>
+  </p:notesMasterIdLst>
   <p:sldIdLst>
-    <p:sldId id="261" r:id="rId2"/>
-    <p:sldId id="270" r:id="rId3"/>
-    <p:sldId id="271" r:id="rId4"/>
-    <p:sldId id="272" r:id="rId5"/>
-    <p:sldId id="273" r:id="rId6"/>
-    <p:sldId id="274" r:id="rId7"/>
-    <p:sldId id="262" r:id="rId8"/>
+    <p:sldId id="261" r:id="rId3"/>
+    <p:sldId id="270" r:id="rId4"/>
+    <p:sldId id="275" r:id="rId5"/>
+    <p:sldId id="276" r:id="rId6"/>
+    <p:sldId id="272" r:id="rId7"/>
+    <p:sldId id="277" r:id="rId8"/>
+    <p:sldId id="271" r:id="rId9"/>
+    <p:sldId id="262" r:id="rId10"/>
   </p:sldIdLst>
   <p:sldSz cx="12192000" cy="6858000"/>
   <p:notesSz cx="6858000" cy="9144000"/>
@@ -111,6 +115,591 @@
     </a:lvl9pPr>
   </p:defaultTextStyle>
 </p:presentation>
+</file>
+
+<file path=ppt/notesMasters/notesMaster1.xml><?xml version="1.0" encoding="utf-8"?>
+<p:notesMaster xmlns:r="http://schemas.openxmlformats.org/officeDocument/2006/relationships" xmlns:c="http://schemas.openxmlformats.org/drawingml/2006/chart" xmlns:a="http://schemas.openxmlformats.org/drawingml/2006/main" xmlns:dgm="http://schemas.openxmlformats.org/drawingml/2006/diagram" xmlns:dsp="http://schemas.microsoft.com/office/drawing/2008/diagram" xmlns:p="http://schemas.openxmlformats.org/presentationml/2006/main">
+  <p:cSld>
+    <p:bg>
+      <p:bgRef idx="1001">
+        <a:schemeClr val="bg1"/>
+      </p:bgRef>
+    </p:bg>
+    <p:spTree>
+      <p:nvGrpSpPr>
+        <p:cNvPr id="1" name=""/>
+        <p:cNvGrpSpPr/>
+        <p:nvPr/>
+      </p:nvGrpSpPr>
+      <p:grpSpPr>
+        <a:xfrm>
+          <a:off x="0" y="0"/>
+          <a:ext cx="0" cy="0"/>
+          <a:chOff x="0" y="0"/>
+          <a:chExt cx="0" cy="0"/>
+        </a:xfrm>
+      </p:grpSpPr>
+      <p:sp>
+        <p:nvSpPr>
+          <p:cNvPr id="2" name="머리글 개체 틀 1"/>
+          <p:cNvSpPr>
+            <a:spLocks noGrp="1"/>
+          </p:cNvSpPr>
+          <p:nvPr>
+            <p:ph type="hdr" sz="quarter" idx="0"/>
+          </p:nvPr>
+        </p:nvSpPr>
+        <p:spPr>
+          <a:xfrm>
+            <a:off x="0" y="0"/>
+            <a:ext cx="2971800" cy="457200"/>
+          </a:xfrm>
+          <a:prstGeom prst="rect">
+            <a:avLst/>
+          </a:prstGeom>
+        </p:spPr>
+        <p:txBody>
+          <a:bodyPr vert="horz" lIns="91440" tIns="45720" rIns="91440" bIns="45720"/>
+          <a:lstStyle>
+            <a:lvl1pPr algn="l">
+              <a:defRPr sz="1200"/>
+            </a:lvl1pPr>
+          </a:lstStyle>
+          <a:p>
+            <a:pPr lvl="0">
+              <a:defRPr/>
+            </a:pPr>
+            <a:r>
+              <a:rPr lang="ko-KR" altLang="en-US"/>
+              <a:t/>
+            </a:r>
+            <a:endParaRPr lang="ko-KR" altLang="en-US"/>
+          </a:p>
+        </p:txBody>
+      </p:sp>
+      <p:sp>
+        <p:nvSpPr>
+          <p:cNvPr id="3" name="날짜 개체 틀 2"/>
+          <p:cNvSpPr>
+            <a:spLocks noGrp="1"/>
+          </p:cNvSpPr>
+          <p:nvPr>
+            <p:ph type="dt" idx="1"/>
+          </p:nvPr>
+        </p:nvSpPr>
+        <p:spPr>
+          <a:xfrm>
+            <a:off x="3884613" y="0"/>
+            <a:ext cx="2971800" cy="457200"/>
+          </a:xfrm>
+          <a:prstGeom prst="rect">
+            <a:avLst/>
+          </a:prstGeom>
+        </p:spPr>
+        <p:txBody>
+          <a:bodyPr vert="horz" lIns="91440" tIns="45720" rIns="91440" bIns="45720"/>
+          <a:lstStyle>
+            <a:lvl1pPr algn="r">
+              <a:defRPr sz="1200"/>
+            </a:lvl1pPr>
+          </a:lstStyle>
+          <a:p>
+            <a:pPr lvl="0">
+              <a:defRPr/>
+            </a:pPr>
+            <a:fld id="{E2B2BC9D-A816-4D0A-858B-1D023B3A8ACA}" type="datetime1">
+              <a:rPr lang="ko-KR" altLang="en-US"/>
+              <a:pPr lvl="0">
+                <a:defRPr/>
+              </a:pPr>
+              <a:t>2022-10-24</a:t>
+            </a:fld>
+            <a:endParaRPr lang="ko-KR" altLang="en-US"/>
+          </a:p>
+        </p:txBody>
+      </p:sp>
+      <p:sp>
+        <p:nvSpPr>
+          <p:cNvPr id="4" name="슬라이드 이미지 개체 틀 3"/>
+          <p:cNvSpPr>
+            <a:spLocks noGrp="1" noRot="1" noChangeAspect="1" noTextEdit="1"/>
+          </p:cNvSpPr>
+          <p:nvPr>
+            <p:ph type="sldImg" idx="2"/>
+          </p:nvPr>
+        </p:nvSpPr>
+        <p:spPr>
+          <a:xfrm>
+            <a:off x="381000" y="685800"/>
+            <a:ext cx="6096000" cy="3429000"/>
+          </a:xfrm>
+          <a:prstGeom prst="rect">
+            <a:avLst/>
+          </a:prstGeom>
+          <a:noFill/>
+          <a:ln w="12700">
+            <a:solidFill>
+              <a:prstClr val="black"/>
+            </a:solidFill>
+          </a:ln>
+        </p:spPr>
+        <p:txBody>
+          <a:bodyPr vert="horz" lIns="91440" tIns="45720" rIns="91440" bIns="45720" anchor="ctr"/>
+          <a:lstStyle/>
+          <a:p>
+            <a:pPr lvl="0">
+              <a:defRPr/>
+            </a:pPr>
+            <a:endParaRPr lang="ko-KR" altLang="en-US"/>
+          </a:p>
+        </p:txBody>
+      </p:sp>
+      <p:sp>
+        <p:nvSpPr>
+          <p:cNvPr id="5" name="슬라이드 노트 개체 틀 4"/>
+          <p:cNvSpPr>
+            <a:spLocks noGrp="1"/>
+          </p:cNvSpPr>
+          <p:nvPr>
+            <p:ph type="body" sz="quarter" idx="3"/>
+          </p:nvPr>
+        </p:nvSpPr>
+        <p:spPr>
+          <a:xfrm>
+            <a:off x="685800" y="4343400"/>
+            <a:ext cx="5486400" cy="4114800"/>
+          </a:xfrm>
+          <a:prstGeom prst="rect">
+            <a:avLst/>
+          </a:prstGeom>
+        </p:spPr>
+        <p:txBody>
+          <a:bodyPr vert="horz" lIns="91440" tIns="45720" rIns="91440" bIns="45720">
+            <a:noAutofit/>
+          </a:bodyPr>
+          <a:lstStyle/>
+          <a:p>
+            <a:pPr lvl="0">
+              <a:defRPr/>
+            </a:pPr>
+            <a:r>
+              <a:rPr lang="ko-KR" altLang="en-US"/>
+              <a:t>마스터 텍스트 스타일을 편집합니다</a:t>
+            </a:r>
+            <a:endParaRPr lang="ko-KR" altLang="en-US"/>
+          </a:p>
+          <a:p>
+            <a:pPr lvl="1">
+              <a:defRPr/>
+            </a:pPr>
+            <a:r>
+              <a:rPr lang="ko-KR" altLang="en-US"/>
+              <a:t>둘째 수준</a:t>
+            </a:r>
+            <a:endParaRPr lang="ko-KR" altLang="en-US"/>
+          </a:p>
+          <a:p>
+            <a:pPr lvl="2">
+              <a:defRPr/>
+            </a:pPr>
+            <a:r>
+              <a:rPr lang="ko-KR" altLang="en-US"/>
+              <a:t>셋째 수준</a:t>
+            </a:r>
+            <a:endParaRPr lang="ko-KR" altLang="en-US"/>
+          </a:p>
+          <a:p>
+            <a:pPr lvl="3">
+              <a:defRPr/>
+            </a:pPr>
+            <a:r>
+              <a:rPr lang="ko-KR" altLang="en-US"/>
+              <a:t>넷째 수준</a:t>
+            </a:r>
+            <a:endParaRPr lang="ko-KR" altLang="en-US"/>
+          </a:p>
+          <a:p>
+            <a:pPr lvl="4">
+              <a:defRPr/>
+            </a:pPr>
+            <a:r>
+              <a:rPr lang="ko-KR" altLang="en-US"/>
+              <a:t>다섯째 수준</a:t>
+            </a:r>
+            <a:endParaRPr lang="ko-KR" altLang="en-US"/>
+          </a:p>
+        </p:txBody>
+      </p:sp>
+      <p:sp>
+        <p:nvSpPr>
+          <p:cNvPr id="6" name="바닥글 개체 틀 5"/>
+          <p:cNvSpPr>
+            <a:spLocks noGrp="1"/>
+          </p:cNvSpPr>
+          <p:nvPr>
+            <p:ph type="ftr" sz="quarter" idx="4"/>
+          </p:nvPr>
+        </p:nvSpPr>
+        <p:spPr>
+          <a:xfrm>
+            <a:off x="0" y="8685213"/>
+            <a:ext cx="2971800" cy="457200"/>
+          </a:xfrm>
+          <a:prstGeom prst="rect">
+            <a:avLst/>
+          </a:prstGeom>
+        </p:spPr>
+        <p:txBody>
+          <a:bodyPr vert="horz" lIns="91440" tIns="45720" rIns="91440" bIns="45720" anchor="b"/>
+          <a:lstStyle>
+            <a:lvl1pPr algn="l">
+              <a:defRPr sz="1200"/>
+            </a:lvl1pPr>
+          </a:lstStyle>
+          <a:p>
+            <a:pPr lvl="0">
+              <a:defRPr/>
+            </a:pPr>
+            <a:r>
+              <a:rPr lang="ko-KR" altLang="en-US"/>
+              <a:t/>
+            </a:r>
+            <a:endParaRPr lang="ko-KR" altLang="en-US"/>
+          </a:p>
+        </p:txBody>
+      </p:sp>
+      <p:sp>
+        <p:nvSpPr>
+          <p:cNvPr id="7" name="슬라이드 번호 개체 틀 6"/>
+          <p:cNvSpPr>
+            <a:spLocks noGrp="1"/>
+          </p:cNvSpPr>
+          <p:nvPr>
+            <p:ph type="sldNum" sz="quarter" idx="5"/>
+          </p:nvPr>
+        </p:nvSpPr>
+        <p:spPr>
+          <a:xfrm>
+            <a:off x="3884613" y="8685213"/>
+            <a:ext cx="2971800" cy="457200"/>
+          </a:xfrm>
+          <a:prstGeom prst="rect">
+            <a:avLst/>
+          </a:prstGeom>
+        </p:spPr>
+        <p:txBody>
+          <a:bodyPr vert="horz" lIns="91440" tIns="45720" rIns="91440" bIns="45720" anchor="b"/>
+          <a:lstStyle>
+            <a:lvl1pPr algn="r">
+              <a:defRPr sz="1200"/>
+            </a:lvl1pPr>
+          </a:lstStyle>
+          <a:p>
+            <a:pPr lvl="0">
+              <a:defRPr/>
+            </a:pPr>
+            <a:fld id="{09F4262C-968C-4EE9-8164-CE16364706B3}" type="slidenum">
+              <a:rPr lang="ko-KR" altLang="en-US"/>
+              <a:pPr lvl="0">
+                <a:defRPr/>
+              </a:pPr>
+              <a:t>‹#›</a:t>
+            </a:fld>
+            <a:endParaRPr lang="ko-KR" altLang="en-US"/>
+          </a:p>
+        </p:txBody>
+      </p:sp>
+    </p:spTree>
+  </p:cSld>
+  <p:clrMap bg1="lt1" tx1="dk1" bg2="lt2" tx2="dk2" accent1="accent1" accent2="accent2" accent3="accent3" accent4="accent4" accent5="accent5" accent6="accent6" hlink="hlink" folHlink="folHlink"/>
+  <p:hf hdr="0" ftr="0" dt="0"/>
+  <p:notesStyle>
+    <a:lvl1pPr marL="0" algn="l" defTabSz="914400" rtl="0" eaLnBrk="1" latinLnBrk="1" hangingPunct="1">
+      <a:defRPr sz="1200" kern="1200">
+        <a:solidFill>
+          <a:schemeClr val="tx1"/>
+        </a:solidFill>
+        <a:latin typeface="+mj-lt"/>
+        <a:ea typeface="+mj-ea"/>
+        <a:cs typeface="+mj-cs"/>
+      </a:defRPr>
+    </a:lvl1pPr>
+    <a:lvl2pPr marL="457200" algn="l" defTabSz="914400" rtl="0" eaLnBrk="1" latinLnBrk="1" hangingPunct="1">
+      <a:defRPr sz="1200" kern="1200">
+        <a:solidFill>
+          <a:schemeClr val="tx1"/>
+        </a:solidFill>
+        <a:latin typeface="+mj-lt"/>
+        <a:ea typeface="+mj-ea"/>
+        <a:cs typeface="+mj-cs"/>
+      </a:defRPr>
+    </a:lvl2pPr>
+    <a:lvl3pPr marL="914400" algn="l" defTabSz="914400" rtl="0" eaLnBrk="1" latinLnBrk="1" hangingPunct="1">
+      <a:defRPr sz="1200" kern="1200">
+        <a:solidFill>
+          <a:schemeClr val="tx1"/>
+        </a:solidFill>
+        <a:latin typeface="+mj-lt"/>
+        <a:ea typeface="+mj-ea"/>
+        <a:cs typeface="+mj-cs"/>
+      </a:defRPr>
+    </a:lvl3pPr>
+    <a:lvl4pPr marL="1371600" algn="l" defTabSz="914400" rtl="0" eaLnBrk="1" latinLnBrk="1" hangingPunct="1">
+      <a:defRPr sz="1200" kern="1200">
+        <a:solidFill>
+          <a:schemeClr val="tx1"/>
+        </a:solidFill>
+        <a:latin typeface="+mj-lt"/>
+        <a:ea typeface="+mj-ea"/>
+        <a:cs typeface="+mj-cs"/>
+      </a:defRPr>
+    </a:lvl4pPr>
+    <a:lvl5pPr marL="1828800" algn="l" defTabSz="914400" rtl="0" eaLnBrk="1" latinLnBrk="1" hangingPunct="1">
+      <a:defRPr sz="1200" kern="1200">
+        <a:solidFill>
+          <a:schemeClr val="tx1"/>
+        </a:solidFill>
+        <a:latin typeface="+mj-lt"/>
+        <a:ea typeface="+mj-ea"/>
+        <a:cs typeface="+mj-cs"/>
+      </a:defRPr>
+    </a:lvl5pPr>
+    <a:lvl6pPr marL="2286000" algn="l" defTabSz="914400" rtl="0" eaLnBrk="1" latinLnBrk="1" hangingPunct="1">
+      <a:defRPr sz="1200" kern="1200">
+        <a:solidFill>
+          <a:schemeClr val="tx1"/>
+        </a:solidFill>
+        <a:latin typeface="+mj-lt"/>
+        <a:ea typeface="+mj-ea"/>
+        <a:cs typeface="+mj-cs"/>
+      </a:defRPr>
+    </a:lvl6pPr>
+    <a:lvl7pPr marL="2743200" algn="l" defTabSz="914400" rtl="0" eaLnBrk="1" latinLnBrk="1" hangingPunct="1">
+      <a:defRPr sz="1200" kern="1200">
+        <a:solidFill>
+          <a:schemeClr val="tx1"/>
+        </a:solidFill>
+        <a:latin typeface="+mj-lt"/>
+        <a:ea typeface="+mj-ea"/>
+        <a:cs typeface="+mj-cs"/>
+      </a:defRPr>
+    </a:lvl7pPr>
+    <a:lvl8pPr marL="3200400" algn="l" defTabSz="914400" rtl="0" eaLnBrk="1" latinLnBrk="1" hangingPunct="1">
+      <a:defRPr sz="1200" kern="1200">
+        <a:solidFill>
+          <a:schemeClr val="tx1"/>
+        </a:solidFill>
+        <a:latin typeface="+mj-lt"/>
+        <a:ea typeface="+mj-ea"/>
+        <a:cs typeface="+mj-cs"/>
+      </a:defRPr>
+    </a:lvl8pPr>
+    <a:lvl9pPr marL="3657600" algn="l" defTabSz="914400" rtl="0" eaLnBrk="1" latinLnBrk="1" hangingPunct="1">
+      <a:defRPr sz="1200" kern="1200">
+        <a:solidFill>
+          <a:schemeClr val="tx1"/>
+        </a:solidFill>
+        <a:latin typeface="+mj-lt"/>
+        <a:ea typeface="+mj-ea"/>
+        <a:cs typeface="+mj-cs"/>
+      </a:defRPr>
+    </a:lvl9pPr>
+  </p:notesStyle>
+</p:notesMaster>
+</file>
+
+<file path=ppt/notesSlides/notesSlide1.xml><?xml version="1.0" encoding="utf-8"?>
+<p:notes xmlns:r="http://schemas.openxmlformats.org/officeDocument/2006/relationships" xmlns:c="http://schemas.openxmlformats.org/drawingml/2006/chart" xmlns:a="http://schemas.openxmlformats.org/drawingml/2006/main" xmlns:dgm="http://schemas.openxmlformats.org/drawingml/2006/diagram" xmlns:dsp="http://schemas.microsoft.com/office/drawing/2008/diagram" xmlns:p="http://schemas.openxmlformats.org/presentationml/2006/main">
+  <p:cSld>
+    <p:spTree>
+      <p:nvGrpSpPr>
+        <p:cNvPr id="1" name=""/>
+        <p:cNvGrpSpPr/>
+        <p:nvPr/>
+      </p:nvGrpSpPr>
+      <p:grpSpPr>
+        <a:xfrm>
+          <a:off x="0" y="0"/>
+          <a:ext cx="0" cy="0"/>
+          <a:chOff x="0" y="0"/>
+          <a:chExt cx="0" cy="0"/>
+        </a:xfrm>
+      </p:grpSpPr>
+      <p:sp>
+        <p:nvSpPr>
+          <p:cNvPr id="2" name="슬라이드 이미지 개체 틀 3"/>
+          <p:cNvSpPr>
+            <a:spLocks noGrp="1" noRot="1" noChangeAspect="1" noTextEdit="1"/>
+          </p:cNvSpPr>
+          <p:nvPr>
+            <p:ph type="sldImg" idx="2"/>
+          </p:nvPr>
+        </p:nvSpPr>
+        <p:spPr/>
+        <p:txBody>
+          <a:bodyPr/>
+          <a:lstStyle/>
+          <a:p>
+            <a:pPr>
+              <a:defRPr/>
+            </a:pPr>
+            <a:endParaRPr lang="en-US" altLang="ko-KR"/>
+          </a:p>
+        </p:txBody>
+      </p:sp>
+      <p:sp>
+        <p:nvSpPr>
+          <p:cNvPr id="3" name="슬라이드 노트 개체 틀 4"/>
+          <p:cNvSpPr>
+            <a:spLocks noGrp="1"/>
+          </p:cNvSpPr>
+          <p:nvPr>
+            <p:ph type="body" sz="quarter" idx="3"/>
+          </p:nvPr>
+        </p:nvSpPr>
+        <p:spPr/>
+        <p:txBody>
+          <a:bodyPr/>
+          <a:lstStyle/>
+          <a:p>
+            <a:pPr>
+              <a:defRPr/>
+            </a:pPr>
+            <a:r>
+              <a:rPr lang="ko-KR" altLang="en-US"/>
+              <a:t/>
+            </a:r>
+            <a:endParaRPr lang="ko-KR" altLang="en-US"/>
+          </a:p>
+        </p:txBody>
+      </p:sp>
+      <p:sp>
+        <p:nvSpPr>
+          <p:cNvPr id="4" name="슬라이드 번호 개체 틀 6"/>
+          <p:cNvSpPr>
+            <a:spLocks noGrp="1"/>
+          </p:cNvSpPr>
+          <p:nvPr>
+            <p:ph type="sldNum" sz="quarter" idx="5"/>
+          </p:nvPr>
+        </p:nvSpPr>
+        <p:spPr/>
+        <p:txBody>
+          <a:bodyPr/>
+          <a:lstStyle/>
+          <a:p>
+            <a:pPr lvl="0">
+              <a:defRPr/>
+            </a:pPr>
+            <a:fld id="{09F4262C-968C-4EE9-8164-CE16364706B3}" type="slidenum">
+              <a:rPr lang="en-US" altLang="en-US"/>
+              <a:pPr lvl="0">
+                <a:defRPr/>
+              </a:pPr>
+              <a:t>3</a:t>
+            </a:fld>
+            <a:endParaRPr lang="en-US" altLang="en-US"/>
+          </a:p>
+        </p:txBody>
+      </p:sp>
+    </p:spTree>
+  </p:cSld>
+  <p:clrMapOvr>
+    <a:masterClrMapping/>
+  </p:clrMapOvr>
+</p:notes>
+</file>
+
+<file path=ppt/notesSlides/notesSlide2.xml><?xml version="1.0" encoding="utf-8"?>
+<p:notes xmlns:r="http://schemas.openxmlformats.org/officeDocument/2006/relationships" xmlns:c="http://schemas.openxmlformats.org/drawingml/2006/chart" xmlns:a="http://schemas.openxmlformats.org/drawingml/2006/main" xmlns:dgm="http://schemas.openxmlformats.org/drawingml/2006/diagram" xmlns:dsp="http://schemas.microsoft.com/office/drawing/2008/diagram" xmlns:p="http://schemas.openxmlformats.org/presentationml/2006/main">
+  <p:cSld>
+    <p:spTree>
+      <p:nvGrpSpPr>
+        <p:cNvPr id="1" name=""/>
+        <p:cNvGrpSpPr/>
+        <p:nvPr/>
+      </p:nvGrpSpPr>
+      <p:grpSpPr>
+        <a:xfrm>
+          <a:off x="0" y="0"/>
+          <a:ext cx="0" cy="0"/>
+          <a:chOff x="0" y="0"/>
+          <a:chExt cx="0" cy="0"/>
+        </a:xfrm>
+      </p:grpSpPr>
+      <p:sp>
+        <p:nvSpPr>
+          <p:cNvPr id="2" name="슬라이드 이미지 개체 틀 1"/>
+          <p:cNvSpPr>
+            <a:spLocks noGrp="1" noRot="1" noChangeAspect="1" noTextEdit="1"/>
+          </p:cNvSpPr>
+          <p:nvPr>
+            <p:ph type="sldImg" idx="0"/>
+          </p:nvPr>
+        </p:nvSpPr>
+        <p:spPr/>
+      </p:sp>
+      <p:sp>
+        <p:nvSpPr>
+          <p:cNvPr id="3" name="슬라이드 노트 개체 틀 2"/>
+          <p:cNvSpPr>
+            <a:spLocks noGrp="1"/>
+          </p:cNvSpPr>
+          <p:nvPr>
+            <p:ph type="body" idx="1"/>
+          </p:nvPr>
+        </p:nvSpPr>
+        <p:spPr/>
+        <p:txBody>
+          <a:bodyPr/>
+          <a:lstStyle/>
+          <a:p>
+            <a:pPr lvl="0">
+              <a:defRPr/>
+            </a:pPr>
+            <a:r>
+              <a:rPr lang="ko-KR" altLang="en-US"/>
+              <a:t/>
+            </a:r>
+            <a:endParaRPr lang="ko-KR" altLang="en-US"/>
+          </a:p>
+        </p:txBody>
+      </p:sp>
+      <p:sp>
+        <p:nvSpPr>
+          <p:cNvPr id="4" name="슬라이드 번호 개체 틀 3"/>
+          <p:cNvSpPr>
+            <a:spLocks noGrp="1"/>
+          </p:cNvSpPr>
+          <p:nvPr>
+            <p:ph type="sldNum" sz="quarter" idx="5"/>
+          </p:nvPr>
+        </p:nvSpPr>
+        <p:spPr/>
+        <p:txBody>
+          <a:bodyPr/>
+          <a:lstStyle/>
+          <a:p>
+            <a:pPr lvl="0">
+              <a:defRPr/>
+            </a:pPr>
+            <a:fld id="{09F4262C-968C-4EE9-8164-CE16364706B3}" type="slidenum">
+              <a:rPr lang="en-US" altLang="en-US"/>
+              <a:pPr lvl="0">
+                <a:defRPr/>
+              </a:pPr>
+              <a:t>6</a:t>
+            </a:fld>
+            <a:endParaRPr lang="en-US" altLang="en-US"/>
+          </a:p>
+        </p:txBody>
+      </p:sp>
+    </p:spTree>
+  </p:cSld>
+  <p:clrMapOvr>
+    <a:masterClrMapping/>
+  </p:clrMapOvr>
+</p:notes>
 </file>
 
 <file path=ppt/slideLayouts/slideLayout1.xml><?xml version="1.0" encoding="utf-8"?>
@@ -3119,6 +3708,173 @@
           <a:chExt cx="0" cy="0"/>
         </a:xfrm>
       </p:grpSpPr>
+      <p:sp>
+        <p:nvSpPr>
+          <p:cNvPr id="12" name=""/>
+          <p:cNvSpPr/>
+          <p:nvPr/>
+        </p:nvSpPr>
+        <p:spPr>
+          <a:xfrm>
+            <a:off x="1118864" y="2535015"/>
+            <a:ext cx="9954272" cy="1787969"/>
+          </a:xfrm>
+          <a:prstGeom prst="rect">
+            <a:avLst/>
+          </a:prstGeom>
+          <a:noFill/>
+          <a:ln>
+            <a:noFill/>
+          </a:ln>
+        </p:spPr>
+        <p:txBody>
+          <a:bodyPr wrap="square">
+            <a:spAutoFit/>
+          </a:bodyPr>
+          <a:p>
+            <a:pPr algn="l">
+              <a:defRPr/>
+            </a:pPr>
+            <a:r>
+              <a:rPr xmlns:mc="http://schemas.openxmlformats.org/markup-compatibility/2006" xmlns:hp="http://schemas.haansoft.com/office/presentation/8.0" sz="1400" b="0" i="0" strike="noStrike" mc:Ignorable="hp" hp:hslEmbossed="0">
+                <a:solidFill>
+                  <a:srgbClr val="1d1c1d">
+                    <a:alpha val="100000"/>
+                  </a:srgbClr>
+                </a:solidFill>
+                <a:latin typeface="Arial"/>
+                <a:ea typeface="맑은 고딕"/>
+              </a:rPr>
+              <a:t>옛말에 무엇이건 듣는 것보다는 보는 것, 보는 것보다는 실천하는 것이 훨씬 학습</a:t>
+            </a:r>
+            <a:r>
+              <a:rPr xmlns:mc="http://schemas.openxmlformats.org/markup-compatibility/2006" xmlns:hp="http://schemas.haansoft.com/office/presentation/8.0" sz="1400" b="0" i="0" strike="noStrike" mc:Ignorable="hp" hp:hslEmbossed="0">
+                <a:solidFill>
+                  <a:srgbClr val="1d1c1d">
+                    <a:alpha val="100000"/>
+                  </a:srgbClr>
+                </a:solidFill>
+                <a:latin typeface="맑은 고딕"/>
+                <a:ea typeface="맑은 고딕"/>
+              </a:rPr>
+              <a:t> 효과가 크다고 하였다. 그러나 세상에는 직접 해보는 데 너무 많은 비용과 위험이 따르는 일들이 많다. 그런 일들을 적은 비용으로도 해주는 도구가 시뮬레이터이다.</a:t>
+            </a:r>
+            <a:endParaRPr xmlns:mc="http://schemas.openxmlformats.org/markup-compatibility/2006" xmlns:hp="http://schemas.haansoft.com/office/presentation/8.0" sz="1400" b="0" i="0" strike="noStrike" mc:Ignorable="hp" hp:hslEmbossed="0">
+              <a:solidFill>
+                <a:srgbClr val="1d1c1d">
+                  <a:alpha val="100000"/>
+                </a:srgbClr>
+              </a:solidFill>
+              <a:latin typeface="맑은 고딕"/>
+              <a:ea typeface="맑은 고딕"/>
+            </a:endParaRPr>
+          </a:p>
+          <a:p>
+            <a:pPr algn="l">
+              <a:defRPr/>
+            </a:pPr>
+            <a:r>
+              <a:rPr xmlns:mc="http://schemas.openxmlformats.org/markup-compatibility/2006" xmlns:hp="http://schemas.haansoft.com/office/presentation/8.0" sz="1400" b="0" i="0" strike="noStrike" mc:Ignorable="hp" hp:hslEmbossed="0">
+                <a:solidFill>
+                  <a:srgbClr val="1d1c1d">
+                    <a:alpha val="100000"/>
+                  </a:srgbClr>
+                </a:solidFill>
+                <a:latin typeface="맑은 고딕"/>
+                <a:ea typeface="맑은 고딕"/>
+              </a:rPr>
+              <a:t> </a:t>
+            </a:r>
+            <a:endParaRPr xmlns:mc="http://schemas.openxmlformats.org/markup-compatibility/2006" xmlns:hp="http://schemas.haansoft.com/office/presentation/8.0" sz="1400" b="0" i="0" strike="noStrike" mc:Ignorable="hp" hp:hslEmbossed="0">
+              <a:solidFill>
+                <a:srgbClr val="1d1c1d">
+                  <a:alpha val="100000"/>
+                </a:srgbClr>
+              </a:solidFill>
+              <a:latin typeface="맑은 고딕"/>
+              <a:ea typeface="맑은 고딕"/>
+            </a:endParaRPr>
+          </a:p>
+          <a:p>
+            <a:pPr algn="l">
+              <a:defRPr/>
+            </a:pPr>
+            <a:r>
+              <a:rPr xmlns:mc="http://schemas.openxmlformats.org/markup-compatibility/2006" xmlns:hp="http://schemas.haansoft.com/office/presentation/8.0" sz="1400" b="0" i="0" strike="noStrike" mc:Ignorable="hp" hp:hslEmbossed="0">
+                <a:solidFill>
+                  <a:srgbClr val="1d1c1d">
+                    <a:alpha val="100000"/>
+                  </a:srgbClr>
+                </a:solidFill>
+                <a:latin typeface="맑은 고딕"/>
+                <a:ea typeface="맑은 고딕"/>
+              </a:rPr>
+              <a:t> 본 프로젝트는 주성엔지니어링에서 사용되는 반도체 공정 장비의 시뮬레이터를 구현하여 각 모듈들의 동작시간 및 수에 따라 1시간에 생산 가능한 Wafer의 수를 확인 하도록 하여 모듈들의 최적의 동작시간과 수를 파악하기 위해 제작하였다.</a:t>
+            </a:r>
+            <a:endParaRPr xmlns:mc="http://schemas.openxmlformats.org/markup-compatibility/2006" xmlns:hp="http://schemas.haansoft.com/office/presentation/8.0" sz="1400" b="0" i="0" strike="noStrike" mc:Ignorable="hp" hp:hslEmbossed="0">
+              <a:solidFill>
+                <a:srgbClr val="1d1c1d">
+                  <a:alpha val="100000"/>
+                </a:srgbClr>
+              </a:solidFill>
+              <a:latin typeface="맑은 고딕"/>
+              <a:ea typeface="맑은 고딕"/>
+            </a:endParaRPr>
+          </a:p>
+          <a:p>
+            <a:pPr algn="l">
+              <a:defRPr/>
+            </a:pPr>
+            <a:r>
+              <a:rPr xmlns:mc="http://schemas.openxmlformats.org/markup-compatibility/2006" xmlns:hp="http://schemas.haansoft.com/office/presentation/8.0" sz="1400" b="0" i="0" strike="noStrike" mc:Ignorable="hp" hp:hslEmbossed="0">
+                <a:solidFill>
+                  <a:srgbClr val="1d1c1d">
+                    <a:alpha val="100000"/>
+                  </a:srgbClr>
+                </a:solidFill>
+                <a:latin typeface="맑은 고딕"/>
+                <a:ea typeface="맑은 고딕"/>
+              </a:rPr>
+              <a:t> </a:t>
+            </a:r>
+            <a:endParaRPr xmlns:mc="http://schemas.openxmlformats.org/markup-compatibility/2006" xmlns:hp="http://schemas.haansoft.com/office/presentation/8.0" sz="1400" b="0" i="0" strike="noStrike" mc:Ignorable="hp" hp:hslEmbossed="0">
+              <a:solidFill>
+                <a:srgbClr val="1d1c1d">
+                  <a:alpha val="100000"/>
+                </a:srgbClr>
+              </a:solidFill>
+              <a:latin typeface="맑은 고딕"/>
+              <a:ea typeface="맑은 고딕"/>
+            </a:endParaRPr>
+          </a:p>
+          <a:p>
+            <a:pPr algn="l">
+              <a:defRPr/>
+            </a:pPr>
+            <a:r>
+              <a:rPr xmlns:mc="http://schemas.openxmlformats.org/markup-compatibility/2006" xmlns:hp="http://schemas.haansoft.com/office/presentation/8.0" sz="1400" b="0" i="0" strike="noStrike" mc:Ignorable="hp" hp:hslEmbossed="0">
+                <a:solidFill>
+                  <a:srgbClr val="1d1c1d">
+                    <a:alpha val="100000"/>
+                  </a:srgbClr>
+                </a:solidFill>
+                <a:latin typeface="맑은 고딕"/>
+                <a:ea typeface="맑은 고딕"/>
+              </a:rPr>
+              <a:t> 해당 시뮬레이터를 통하여 공정 장비를 구매하고 싶은 고객들에게 모듈의 동작시간 및 수에 따른 Wafer의 생산량을 미리 파악할 수 있게 하여 구입시 발생할 수 있는 비용 문제와 시간이 단축될 것이라고 기대된다.</a:t>
+            </a:r>
+            <a:endParaRPr xmlns:mc="http://schemas.openxmlformats.org/markup-compatibility/2006" xmlns:hp="http://schemas.haansoft.com/office/presentation/8.0" sz="1400" b="0" i="0" strike="noStrike" mc:Ignorable="hp" hp:hslEmbossed="0">
+              <a:solidFill>
+                <a:srgbClr val="1d1c1d">
+                  <a:alpha val="100000"/>
+                </a:srgbClr>
+              </a:solidFill>
+              <a:latin typeface="맑은 고딕"/>
+              <a:ea typeface="맑은 고딕"/>
+            </a:endParaRPr>
+          </a:p>
+        </p:txBody>
+      </p:sp>
     </p:spTree>
   </p:cSld>
   <p:clrMapOvr>
@@ -3152,136 +3908,1881 @@
           <a:chExt cx="0" cy="0"/>
         </a:xfrm>
       </p:grpSpPr>
-      <p:pic>
-        <p:nvPicPr>
-          <p:cNvPr id="5" name=""/>
-          <p:cNvPicPr>
-            <a:picLocks noChangeAspect="1"/>
-          </p:cNvPicPr>
+      <p:cxnSp>
+        <p:nvCxnSpPr>
+          <p:cNvPr id="8" name=""/>
+          <p:cNvCxnSpPr/>
           <p:nvPr/>
-        </p:nvPicPr>
-        <p:blipFill rotWithShape="1">
-          <a:blip r:embed="rId2"/>
-          <a:stretch>
-            <a:fillRect/>
-          </a:stretch>
-        </p:blipFill>
-        <p:spPr>
-          <a:xfrm>
-            <a:off x="3779075" y="2657386"/>
-            <a:ext cx="1895588" cy="1895588"/>
+        </p:nvCxnSpPr>
+        <p:spPr>
+          <a:xfrm>
+            <a:off x="922338" y="4879248"/>
+            <a:ext cx="1220201" cy="1779"/>
+          </a:xfrm>
+          <a:prstGeom prst="straightConnector1">
+            <a:avLst/>
+          </a:prstGeom>
+          <a:noFill/>
+          <a:ln w="38100" cap="flat" cmpd="sng" algn="ctr">
+            <a:solidFill>
+              <a:srgbClr val="58bcf5">
+                <a:alpha val="100000"/>
+              </a:srgbClr>
+            </a:solidFill>
+            <a:prstDash val="solid"/>
+            <a:tailEnd type="arrow"/>
+          </a:ln>
+        </p:spPr>
+      </p:cxnSp>
+      <p:cxnSp>
+        <p:nvCxnSpPr>
+          <p:cNvPr id="9" name=""/>
+          <p:cNvCxnSpPr/>
+          <p:nvPr/>
+        </p:nvCxnSpPr>
+        <p:spPr>
+          <a:xfrm>
+            <a:off x="922338" y="5333941"/>
+            <a:ext cx="1220201" cy="0"/>
+          </a:xfrm>
+          <a:prstGeom prst="straightConnector1">
+            <a:avLst/>
+          </a:prstGeom>
+          <a:noFill/>
+          <a:ln w="38100" cap="flat" cmpd="sng" algn="ctr">
+            <a:solidFill>
+              <a:srgbClr val="ff0000">
+                <a:alpha val="100000"/>
+              </a:srgbClr>
+            </a:solidFill>
+            <a:prstDash val="solid"/>
+            <a:tailEnd type="arrow"/>
+          </a:ln>
+        </p:spPr>
+      </p:cxnSp>
+      <p:cxnSp>
+        <p:nvCxnSpPr>
+          <p:cNvPr id="10" name=""/>
+          <p:cNvCxnSpPr/>
+          <p:nvPr/>
+        </p:nvCxnSpPr>
+        <p:spPr>
+          <a:xfrm>
+            <a:off x="4309909" y="4882281"/>
+            <a:ext cx="1220201" cy="0"/>
+          </a:xfrm>
+          <a:prstGeom prst="straightConnector1">
+            <a:avLst/>
+          </a:prstGeom>
+          <a:noFill/>
+          <a:ln w="38100" cap="flat" cmpd="sng" algn="ctr">
+            <a:solidFill>
+              <a:srgbClr val="008000">
+                <a:alpha val="100000"/>
+              </a:srgbClr>
+            </a:solidFill>
+            <a:prstDash val="solid"/>
+            <a:tailEnd type="arrow"/>
+          </a:ln>
+        </p:spPr>
+      </p:cxnSp>
+      <p:cxnSp>
+        <p:nvCxnSpPr>
+          <p:cNvPr id="12" name=""/>
+          <p:cNvCxnSpPr/>
+          <p:nvPr/>
+        </p:nvCxnSpPr>
+        <p:spPr>
+          <a:xfrm>
+            <a:off x="7697480" y="4903159"/>
+            <a:ext cx="1220201" cy="0"/>
+          </a:xfrm>
+          <a:prstGeom prst="straightConnector1">
+            <a:avLst/>
+          </a:prstGeom>
+          <a:noFill/>
+          <a:ln w="38100" cap="flat" cmpd="sng" algn="ctr">
+            <a:solidFill>
+              <a:srgbClr val="783e94">
+                <a:alpha val="100000"/>
+              </a:srgbClr>
+            </a:solidFill>
+            <a:prstDash val="solid"/>
+            <a:tailEnd type="arrow"/>
+          </a:ln>
+        </p:spPr>
+      </p:cxnSp>
+      <p:sp>
+        <p:nvSpPr>
+          <p:cNvPr id="14" name=""/>
+          <p:cNvSpPr txBox="1"/>
+          <p:nvPr/>
+        </p:nvSpPr>
+        <p:spPr>
+          <a:xfrm>
+            <a:off x="2284593" y="4699225"/>
+            <a:ext cx="1914200" cy="366170"/>
           </a:xfrm>
           <a:prstGeom prst="rect">
             <a:avLst/>
           </a:prstGeom>
         </p:spPr>
-      </p:pic>
-      <p:sp>
-        <p:nvSpPr>
-          <p:cNvPr id="7" name="슬라이드 번호 개체 틀 5"/>
-          <p:cNvSpPr>
-            <a:spLocks noGrp="1"/>
-          </p:cNvSpPr>
-          <p:nvPr>
-            <p:ph type="sldNum" sz="quarter" idx="12"/>
-          </p:nvPr>
-        </p:nvSpPr>
-        <p:spPr>
-          <a:xfrm>
-            <a:off x="5687080" y="4664208"/>
-            <a:ext cx="2641600" cy="365125"/>
-          </a:xfrm>
-        </p:spPr>
-        <p:txBody>
-          <a:bodyPr/>
-          <a:lstStyle/>
-          <a:p>
-            <a:pPr lvl="0">
+        <p:txBody>
+          <a:bodyPr wrap="square">
+            <a:spAutoFit/>
+          </a:bodyPr>
+          <a:p>
+            <a:pPr>
               <a:defRPr/>
             </a:pPr>
-            <a:fld id="{AD22CD3B-FDDF-4998-970C-76E6E0BEC65F}" type="slidenum">
-              <a:rPr lang="en-US" altLang="en-US"/>
-              <a:pPr lvl="0">
-                <a:defRPr/>
-              </a:pPr>
-              <a:t>4</a:t>
-            </a:fld>
-            <a:endParaRPr lang="en-US" altLang="en-US"/>
-          </a:p>
-        </p:txBody>
-      </p:sp>
-      <p:pic>
-        <p:nvPicPr>
-          <p:cNvPr id="8" name=""/>
-          <p:cNvPicPr>
-            <a:picLocks noChangeAspect="1"/>
-          </p:cNvPicPr>
+            <a:r>
+              <a:rPr lang="en-US" altLang="ko-KR" b="1">
+                <a:latin typeface="맑은 고딕"/>
+              </a:rPr>
+              <a:t>Central Control</a:t>
+            </a:r>
+            <a:endParaRPr lang="en-US" altLang="ko-KR" b="1">
+              <a:latin typeface="맑은 고딕"/>
+            </a:endParaRPr>
+          </a:p>
+        </p:txBody>
+      </p:sp>
+      <p:sp>
+        <p:nvSpPr>
+          <p:cNvPr id="15" name=""/>
+          <p:cNvSpPr txBox="1"/>
           <p:nvPr/>
-        </p:nvPicPr>
-        <p:blipFill rotWithShape="1">
-          <a:blip r:embed="rId3"/>
-          <a:stretch>
-            <a:fillRect/>
-          </a:stretch>
-        </p:blipFill>
-        <p:spPr>
-          <a:xfrm>
-            <a:off x="1661580" y="2768620"/>
-            <a:ext cx="1428571" cy="1600000"/>
+        </p:nvSpPr>
+        <p:spPr>
+          <a:xfrm>
+            <a:off x="2284593" y="5159449"/>
+            <a:ext cx="850391" cy="363146"/>
           </a:xfrm>
           <a:prstGeom prst="rect">
             <a:avLst/>
           </a:prstGeom>
         </p:spPr>
-      </p:pic>
-      <p:pic>
-        <p:nvPicPr>
-          <p:cNvPr id="9" name=""/>
-          <p:cNvPicPr>
-            <a:picLocks noChangeAspect="1"/>
-          </p:cNvPicPr>
+        <p:txBody>
+          <a:bodyPr wrap="square">
+            <a:spAutoFit/>
+          </a:bodyPr>
+          <a:p>
+            <a:pPr marL="0" indent="0" defTabSz="914400" rtl="0" eaLnBrk="1" latinLnBrk="1" hangingPunct="1">
+              <a:lnSpc>
+                <a:spcPct val="100000"/>
+              </a:lnSpc>
+              <a:spcBef>
+                <a:spcPct val="0"/>
+              </a:spcBef>
+              <a:spcAft>
+                <a:spcPts val="0"/>
+              </a:spcAft>
+              <a:buNone/>
+              <a:defRPr/>
+            </a:pPr>
+            <a:r>
+              <a:rPr xmlns:mc="http://schemas.openxmlformats.org/markup-compatibility/2006" xmlns:hp="http://schemas.haansoft.com/office/presentation/8.0" kumimoji="0" lang="en-US" altLang="ko-KR" sz="1800" b="1" i="0" u="none" strike="noStrike" kern="1200" cap="none" spc="0" normalizeH="0" baseline="0" mc:Ignorable="hp" hp:hslEmbossed="0">
+                <a:solidFill>
+                  <a:srgbClr val="000000"/>
+                </a:solidFill>
+                <a:latin typeface="맑은 고딕"/>
+                <a:cs typeface="Calibri"/>
+              </a:rPr>
+              <a:t>Time</a:t>
+            </a:r>
+            <a:endParaRPr xmlns:mc="http://schemas.openxmlformats.org/markup-compatibility/2006" xmlns:hp="http://schemas.haansoft.com/office/presentation/8.0" kumimoji="0" lang="en-US" altLang="ko-KR" sz="1800" b="1" i="0" u="none" strike="noStrike" kern="1200" cap="none" spc="0" normalizeH="0" baseline="0" mc:Ignorable="hp" hp:hslEmbossed="0">
+              <a:solidFill>
+                <a:srgbClr val="000000"/>
+              </a:solidFill>
+              <a:latin typeface="맑은 고딕"/>
+              <a:cs typeface="Calibri"/>
+            </a:endParaRPr>
+          </a:p>
+        </p:txBody>
+      </p:sp>
+      <p:sp>
+        <p:nvSpPr>
+          <p:cNvPr id="19" name=""/>
+          <p:cNvSpPr txBox="1"/>
           <p:nvPr/>
-        </p:nvPicPr>
-        <p:blipFill rotWithShape="1">
-          <a:blip r:embed="rId4"/>
-          <a:stretch>
-            <a:fillRect/>
-          </a:stretch>
-        </p:blipFill>
-        <p:spPr>
-          <a:xfrm>
-            <a:off x="6363586" y="2854333"/>
-            <a:ext cx="1428571" cy="1428571"/>
+        </p:nvSpPr>
+        <p:spPr>
+          <a:xfrm>
+            <a:off x="5672164" y="4699225"/>
+            <a:ext cx="2025316" cy="366170"/>
           </a:xfrm>
           <a:prstGeom prst="rect">
             <a:avLst/>
           </a:prstGeom>
         </p:spPr>
-      </p:pic>
-      <p:pic>
-        <p:nvPicPr>
-          <p:cNvPr id="10" name=""/>
-          <p:cNvPicPr>
-            <a:picLocks noChangeAspect="1"/>
-          </p:cNvPicPr>
+        <p:txBody>
+          <a:bodyPr wrap="square">
+            <a:spAutoFit/>
+          </a:bodyPr>
+          <a:p>
+            <a:pPr marL="0" indent="0" defTabSz="914400" rtl="0" eaLnBrk="1" latinLnBrk="1" hangingPunct="1">
+              <a:lnSpc>
+                <a:spcPct val="100000"/>
+              </a:lnSpc>
+              <a:spcBef>
+                <a:spcPct val="0"/>
+              </a:spcBef>
+              <a:spcAft>
+                <a:spcPts val="0"/>
+              </a:spcAft>
+              <a:buNone/>
+              <a:defRPr/>
+            </a:pPr>
+            <a:r>
+              <a:rPr xmlns:mc="http://schemas.openxmlformats.org/markup-compatibility/2006" xmlns:hp="http://schemas.haansoft.com/office/presentation/8.0" kumimoji="0" lang="en-US" altLang="ko-KR" sz="1800" b="1" i="0" u="none" strike="noStrike" kern="1200" cap="none" spc="0" normalizeH="0" baseline="0" mc:Ignorable="hp" hp:hslEmbossed="0">
+                <a:solidFill>
+                  <a:srgbClr val="000000"/>
+                </a:solidFill>
+                <a:latin typeface="맑은 고딕"/>
+                <a:cs typeface="Calibri"/>
+              </a:rPr>
+              <a:t>LPM2LL</a:t>
+            </a:r>
+            <a:endParaRPr xmlns:mc="http://schemas.openxmlformats.org/markup-compatibility/2006" xmlns:hp="http://schemas.haansoft.com/office/presentation/8.0" kumimoji="0" lang="en-US" altLang="ko-KR" sz="1800" b="1" i="0" u="none" strike="noStrike" kern="1200" cap="none" spc="0" normalizeH="0" baseline="0" mc:Ignorable="hp" hp:hslEmbossed="0">
+              <a:solidFill>
+                <a:srgbClr val="000000"/>
+              </a:solidFill>
+              <a:latin typeface="맑은 고딕"/>
+              <a:cs typeface="Calibri"/>
+            </a:endParaRPr>
+          </a:p>
+        </p:txBody>
+      </p:sp>
+      <p:sp>
+        <p:nvSpPr>
+          <p:cNvPr id="20" name=""/>
+          <p:cNvSpPr txBox="1"/>
           <p:nvPr/>
-        </p:nvPicPr>
-        <p:blipFill rotWithShape="1">
-          <a:blip r:embed="rId5"/>
-          <a:stretch>
-            <a:fillRect/>
-          </a:stretch>
-        </p:blipFill>
-        <p:spPr>
-          <a:xfrm>
-            <a:off x="8481080" y="3160719"/>
-            <a:ext cx="1973707" cy="815799"/>
+        </p:nvSpPr>
+        <p:spPr>
+          <a:xfrm>
+            <a:off x="5672164" y="5152139"/>
+            <a:ext cx="1012658" cy="363605"/>
           </a:xfrm>
           <a:prstGeom prst="rect">
             <a:avLst/>
           </a:prstGeom>
         </p:spPr>
-      </p:pic>
+        <p:txBody>
+          <a:bodyPr wrap="square">
+            <a:spAutoFit/>
+          </a:bodyPr>
+          <a:p>
+            <a:pPr marL="0" indent="0" defTabSz="914400" rtl="0" eaLnBrk="1" latinLnBrk="1" hangingPunct="1">
+              <a:lnSpc>
+                <a:spcPct val="100000"/>
+              </a:lnSpc>
+              <a:spcBef>
+                <a:spcPct val="0"/>
+              </a:spcBef>
+              <a:spcAft>
+                <a:spcPts val="0"/>
+              </a:spcAft>
+              <a:buNone/>
+              <a:defRPr/>
+            </a:pPr>
+            <a:r>
+              <a:rPr xmlns:mc="http://schemas.openxmlformats.org/markup-compatibility/2006" xmlns:hp="http://schemas.haansoft.com/office/presentation/8.0" kumimoji="0" lang="en-US" altLang="ko-KR" sz="1800" b="1" i="0" u="none" strike="noStrike" kern="1200" cap="none" spc="0" normalizeH="0" baseline="0" mc:Ignorable="hp" hp:hslEmbossed="0">
+                <a:solidFill>
+                  <a:srgbClr val="000000"/>
+                </a:solidFill>
+                <a:latin typeface="맑은 고딕"/>
+                <a:cs typeface="Calibri"/>
+              </a:rPr>
+              <a:t>LL</a:t>
+            </a:r>
+            <a:endParaRPr xmlns:mc="http://schemas.openxmlformats.org/markup-compatibility/2006" xmlns:hp="http://schemas.haansoft.com/office/presentation/8.0" kumimoji="0" lang="en-US" altLang="ko-KR" sz="1800" b="1" i="0" u="none" strike="noStrike" kern="1200" cap="none" spc="0" normalizeH="0" baseline="0" mc:Ignorable="hp" hp:hslEmbossed="0">
+              <a:solidFill>
+                <a:srgbClr val="000000"/>
+              </a:solidFill>
+              <a:latin typeface="맑은 고딕"/>
+              <a:cs typeface="Calibri"/>
+            </a:endParaRPr>
+          </a:p>
+        </p:txBody>
+      </p:sp>
+      <p:sp>
+        <p:nvSpPr>
+          <p:cNvPr id="21" name=""/>
+          <p:cNvSpPr txBox="1"/>
+          <p:nvPr/>
+        </p:nvSpPr>
+        <p:spPr>
+          <a:xfrm>
+            <a:off x="9059737" y="4719590"/>
+            <a:ext cx="2025316" cy="367653"/>
+          </a:xfrm>
+          <a:prstGeom prst="rect">
+            <a:avLst/>
+          </a:prstGeom>
+        </p:spPr>
+        <p:txBody>
+          <a:bodyPr wrap="square">
+            <a:spAutoFit/>
+          </a:bodyPr>
+          <a:p>
+            <a:pPr marL="0" indent="0" defTabSz="914400" rtl="0" eaLnBrk="1" latinLnBrk="1" hangingPunct="1">
+              <a:lnSpc>
+                <a:spcPct val="100000"/>
+              </a:lnSpc>
+              <a:spcBef>
+                <a:spcPct val="0"/>
+              </a:spcBef>
+              <a:spcAft>
+                <a:spcPts val="0"/>
+              </a:spcAft>
+              <a:buNone/>
+              <a:defRPr/>
+            </a:pPr>
+            <a:r>
+              <a:rPr xmlns:mc="http://schemas.openxmlformats.org/markup-compatibility/2006" xmlns:hp="http://schemas.haansoft.com/office/presentation/8.0" kumimoji="0" lang="en-US" altLang="ko-KR" sz="1800" b="1" i="0" u="none" strike="noStrike" kern="1200" cap="none" spc="0" normalizeH="0" baseline="0" mc:Ignorable="hp" hp:hslEmbossed="0">
+                <a:solidFill>
+                  <a:srgbClr val="000000"/>
+                </a:solidFill>
+                <a:latin typeface="맑은 고딕"/>
+                <a:cs typeface="Calibri"/>
+              </a:rPr>
+              <a:t>LL2PM</a:t>
+            </a:r>
+            <a:endParaRPr xmlns:mc="http://schemas.openxmlformats.org/markup-compatibility/2006" xmlns:hp="http://schemas.haansoft.com/office/presentation/8.0" kumimoji="0" lang="en-US" altLang="ko-KR" sz="1800" b="1" i="0" u="none" strike="noStrike" kern="1200" cap="none" spc="0" normalizeH="0" baseline="0" mc:Ignorable="hp" hp:hslEmbossed="0">
+              <a:solidFill>
+                <a:srgbClr val="000000"/>
+              </a:solidFill>
+              <a:latin typeface="맑은 고딕"/>
+              <a:cs typeface="Calibri"/>
+            </a:endParaRPr>
+          </a:p>
+        </p:txBody>
+      </p:sp>
+      <p:sp>
+        <p:nvSpPr>
+          <p:cNvPr id="51" name=""/>
+          <p:cNvSpPr/>
+          <p:nvPr/>
+        </p:nvSpPr>
+        <p:spPr>
+          <a:xfrm>
+            <a:off x="173970" y="1136696"/>
+            <a:ext cx="11858122" cy="3313462"/>
+          </a:xfrm>
+          <a:prstGeom prst="rect">
+            <a:avLst/>
+          </a:prstGeom>
+          <a:noFill/>
+          <a:ln w="38100">
+            <a:solidFill>
+              <a:srgbClr val="c63d00"/>
+            </a:solidFill>
+          </a:ln>
+        </p:spPr>
+        <p:style>
+          <a:lnRef idx="2">
+            <a:schemeClr val="accent1">
+              <a:shade val="20000"/>
+            </a:schemeClr>
+          </a:lnRef>
+          <a:fillRef idx="1">
+            <a:schemeClr val="accent1"/>
+          </a:fillRef>
+          <a:effectRef idx="0">
+            <a:schemeClr val="accent1"/>
+          </a:effectRef>
+          <a:fontRef idx="minor">
+            <a:schemeClr val="lt1"/>
+          </a:fontRef>
+        </p:style>
+        <p:txBody>
+          <a:bodyPr anchor="ctr"/>
+          <a:p>
+            <a:pPr algn="ctr">
+              <a:defRPr/>
+            </a:pPr>
+            <a:endParaRPr lang="en-US" altLang="ko-KR">
+              <a:latin typeface="맑은 고딕"/>
+            </a:endParaRPr>
+          </a:p>
+        </p:txBody>
+      </p:sp>
+      <p:sp>
+        <p:nvSpPr>
+          <p:cNvPr id="52" name=""/>
+          <p:cNvSpPr txBox="1"/>
+          <p:nvPr/>
+        </p:nvSpPr>
+        <p:spPr>
+          <a:xfrm>
+            <a:off x="173968" y="698344"/>
+            <a:ext cx="8743713" cy="423701"/>
+          </a:xfrm>
+          <a:prstGeom prst="rect">
+            <a:avLst/>
+          </a:prstGeom>
+          <a:ln w="38100">
+            <a:solidFill>
+              <a:srgbClr val="c63d00"/>
+            </a:solidFill>
+          </a:ln>
+        </p:spPr>
+        <p:txBody>
+          <a:bodyPr wrap="square">
+            <a:spAutoFit/>
+          </a:bodyPr>
+          <a:p>
+            <a:pPr algn="ctr">
+              <a:defRPr/>
+            </a:pPr>
+            <a:r>
+              <a:rPr lang="en-US" altLang="ko-KR" sz="2200">
+                <a:latin typeface="맑은 고딕"/>
+              </a:rPr>
+              <a:t>LL</a:t>
+            </a:r>
+            <a:r>
+              <a:rPr lang="ko-KR" altLang="en-US" sz="2200">
+                <a:latin typeface="맑은 고딕"/>
+              </a:rPr>
+              <a:t> </a:t>
+            </a:r>
+            <a:r>
+              <a:rPr lang="en-US" altLang="ko-KR" sz="2200">
+                <a:latin typeface="맑은 고딕"/>
+              </a:rPr>
+              <a:t>Module</a:t>
+            </a:r>
+            <a:r>
+              <a:rPr lang="ko-KR" altLang="en-US" sz="2200">
+                <a:latin typeface="맑은 고딕"/>
+              </a:rPr>
+              <a:t> </a:t>
+            </a:r>
+            <a:r>
+              <a:rPr lang="en-US" altLang="ko-KR" sz="2200">
+                <a:latin typeface="맑은 고딕"/>
+              </a:rPr>
+              <a:t>2</a:t>
+            </a:r>
+            <a:r>
+              <a:rPr lang="ko-KR" altLang="en-US" sz="2200">
+                <a:latin typeface="맑은 고딕"/>
+              </a:rPr>
+              <a:t>개</a:t>
+            </a:r>
+            <a:r>
+              <a:rPr lang="en-US" altLang="ko-KR" sz="2200">
+                <a:latin typeface="맑은 고딕"/>
+              </a:rPr>
+              <a:t> / LL Slot 4</a:t>
+            </a:r>
+            <a:r>
+              <a:rPr lang="ko-KR" altLang="en-US" sz="2200">
+                <a:latin typeface="맑은 고딕"/>
+              </a:rPr>
+              <a:t>개 </a:t>
+            </a:r>
+            <a:r>
+              <a:rPr lang="en-US" altLang="ko-KR" sz="2200">
+                <a:latin typeface="맑은 고딕"/>
+              </a:rPr>
+              <a:t>/</a:t>
+            </a:r>
+            <a:r>
+              <a:rPr lang="ko-KR" altLang="en-US" sz="2200">
+                <a:latin typeface="맑은 고딕"/>
+              </a:rPr>
+              <a:t> </a:t>
+            </a:r>
+            <a:r>
+              <a:rPr lang="en-US" altLang="ko-KR" sz="2200">
+                <a:latin typeface="맑은 고딕"/>
+              </a:rPr>
+              <a:t>PM Module</a:t>
+            </a:r>
+            <a:r>
+              <a:rPr lang="ko-KR" altLang="en-US" sz="2200">
+                <a:latin typeface="맑은 고딕"/>
+              </a:rPr>
+              <a:t> </a:t>
+            </a:r>
+            <a:r>
+              <a:rPr lang="en-US" altLang="ko-KR" sz="2200">
+                <a:latin typeface="맑은 고딕"/>
+              </a:rPr>
+              <a:t>2</a:t>
+            </a:r>
+            <a:r>
+              <a:rPr lang="ko-KR" altLang="en-US" sz="2200">
+                <a:latin typeface="맑은 고딕"/>
+              </a:rPr>
+              <a:t>개 </a:t>
+            </a:r>
+            <a:r>
+              <a:rPr lang="en-US" altLang="ko-KR" sz="2200">
+                <a:latin typeface="맑은 고딕"/>
+              </a:rPr>
+              <a:t>/</a:t>
+            </a:r>
+            <a:r>
+              <a:rPr lang="ko-KR" altLang="en-US" sz="2200">
+                <a:latin typeface="맑은 고딕"/>
+              </a:rPr>
+              <a:t> </a:t>
+            </a:r>
+            <a:r>
+              <a:rPr lang="en-US" altLang="ko-KR" sz="2200">
+                <a:latin typeface="맑은 고딕"/>
+              </a:rPr>
+              <a:t>PM Slot 4</a:t>
+            </a:r>
+            <a:r>
+              <a:rPr lang="ko-KR" altLang="en-US" sz="2200">
+                <a:latin typeface="맑은 고딕"/>
+              </a:rPr>
+              <a:t>개</a:t>
+            </a:r>
+            <a:r>
+              <a:rPr lang="en-US" altLang="ko-KR" sz="2200">
+                <a:latin typeface="맑은 고딕"/>
+              </a:rPr>
+              <a:t> </a:t>
+            </a:r>
+            <a:endParaRPr lang="en-US" altLang="ko-KR" sz="2200">
+              <a:latin typeface="맑은 고딕"/>
+            </a:endParaRPr>
+          </a:p>
+        </p:txBody>
+      </p:sp>
+      <p:cxnSp>
+        <p:nvCxnSpPr>
+          <p:cNvPr id="57" name=""/>
+          <p:cNvCxnSpPr/>
+          <p:nvPr/>
+        </p:nvCxnSpPr>
+        <p:spPr>
+          <a:xfrm>
+            <a:off x="7697480" y="5327449"/>
+            <a:ext cx="1220201" cy="0"/>
+          </a:xfrm>
+          <a:prstGeom prst="straightConnector1">
+            <a:avLst/>
+          </a:prstGeom>
+          <a:noFill/>
+          <a:ln w="38100" cap="flat" cmpd="sng" algn="ctr">
+            <a:solidFill>
+              <a:srgbClr val="cea61d">
+                <a:alpha val="100000"/>
+              </a:srgbClr>
+            </a:solidFill>
+            <a:prstDash val="solid"/>
+            <a:tailEnd type="arrow"/>
+          </a:ln>
+        </p:spPr>
+      </p:cxnSp>
+      <p:sp>
+        <p:nvSpPr>
+          <p:cNvPr id="58" name=""/>
+          <p:cNvSpPr txBox="1"/>
+          <p:nvPr/>
+        </p:nvSpPr>
+        <p:spPr>
+          <a:xfrm>
+            <a:off x="9059737" y="5150115"/>
+            <a:ext cx="578010" cy="367653"/>
+          </a:xfrm>
+          <a:prstGeom prst="rect">
+            <a:avLst/>
+          </a:prstGeom>
+        </p:spPr>
+        <p:txBody>
+          <a:bodyPr wrap="square">
+            <a:spAutoFit/>
+          </a:bodyPr>
+          <a:p>
+            <a:pPr marL="0" indent="0" algn="l" defTabSz="914400" rtl="0" eaLnBrk="1" latinLnBrk="1" hangingPunct="1">
+              <a:lnSpc>
+                <a:spcPct val="100000"/>
+              </a:lnSpc>
+              <a:spcBef>
+                <a:spcPct val="0"/>
+              </a:spcBef>
+              <a:spcAft>
+                <a:spcPts val="0"/>
+              </a:spcAft>
+              <a:buNone/>
+              <a:defRPr/>
+            </a:pPr>
+            <a:r>
+              <a:rPr xmlns:mc="http://schemas.openxmlformats.org/markup-compatibility/2006" xmlns:hp="http://schemas.haansoft.com/office/presentation/8.0" kumimoji="0" lang="en-US" altLang="ko-KR" sz="1800" b="1" i="0" u="none" strike="noStrike" kern="1200" cap="none" spc="0" normalizeH="0" baseline="0" mc:Ignorable="hp" hp:hslEmbossed="0">
+                <a:solidFill>
+                  <a:srgbClr val="000000"/>
+                </a:solidFill>
+                <a:latin typeface="맑은 고딕"/>
+                <a:cs typeface="Calibri"/>
+              </a:rPr>
+              <a:t>PM</a:t>
+            </a:r>
+            <a:endParaRPr xmlns:mc="http://schemas.openxmlformats.org/markup-compatibility/2006" xmlns:hp="http://schemas.haansoft.com/office/presentation/8.0" kumimoji="0" lang="en-US" altLang="ko-KR" sz="1800" b="1" i="0" u="none" strike="noStrike" kern="1200" cap="none" spc="0" normalizeH="0" baseline="0" mc:Ignorable="hp" hp:hslEmbossed="0">
+              <a:solidFill>
+                <a:srgbClr val="000000"/>
+              </a:solidFill>
+              <a:latin typeface="맑은 고딕"/>
+              <a:cs typeface="Calibri"/>
+            </a:endParaRPr>
+          </a:p>
+        </p:txBody>
+      </p:sp>
+      <p:cxnSp>
+        <p:nvCxnSpPr>
+          <p:cNvPr id="122" name=""/>
+          <p:cNvCxnSpPr/>
+          <p:nvPr/>
+        </p:nvCxnSpPr>
+        <p:spPr>
+          <a:xfrm>
+            <a:off x="4309910" y="5324416"/>
+            <a:ext cx="1220201" cy="0"/>
+          </a:xfrm>
+          <a:prstGeom prst="straightConnector1">
+            <a:avLst/>
+          </a:prstGeom>
+          <a:noFill/>
+          <a:ln w="38100" cap="flat" cmpd="sng" algn="ctr">
+            <a:solidFill>
+              <a:srgbClr val="69d8ad">
+                <a:alpha val="100000"/>
+              </a:srgbClr>
+            </a:solidFill>
+            <a:prstDash val="solid"/>
+            <a:tailEnd type="arrow"/>
+          </a:ln>
+        </p:spPr>
+      </p:cxnSp>
+      <p:cxnSp>
+        <p:nvCxnSpPr>
+          <p:cNvPr id="164" name=""/>
+          <p:cNvCxnSpPr/>
+          <p:nvPr/>
+        </p:nvCxnSpPr>
+        <p:spPr>
+          <a:xfrm>
+            <a:off x="922338" y="5807965"/>
+            <a:ext cx="1220201" cy="0"/>
+          </a:xfrm>
+          <a:prstGeom prst="straightConnector1">
+            <a:avLst/>
+          </a:prstGeom>
+          <a:noFill/>
+          <a:ln w="38100" cap="flat" cmpd="sng" algn="ctr">
+            <a:solidFill>
+              <a:srgbClr val="000000">
+                <a:alpha val="100000"/>
+              </a:srgbClr>
+            </a:solidFill>
+            <a:prstDash val="solid"/>
+            <a:tailEnd type="arrow"/>
+          </a:ln>
+        </p:spPr>
+      </p:cxnSp>
+      <p:cxnSp>
+        <p:nvCxnSpPr>
+          <p:cNvPr id="165" name=""/>
+          <p:cNvCxnSpPr/>
+          <p:nvPr/>
+        </p:nvCxnSpPr>
+        <p:spPr>
+          <a:xfrm>
+            <a:off x="4309910" y="5807965"/>
+            <a:ext cx="1220201" cy="0"/>
+          </a:xfrm>
+          <a:prstGeom prst="straightConnector1">
+            <a:avLst/>
+          </a:prstGeom>
+          <a:noFill/>
+          <a:ln w="38100" cap="flat" cmpd="sng" algn="ctr">
+            <a:solidFill>
+              <a:srgbClr val="0000ff">
+                <a:alpha val="100000"/>
+              </a:srgbClr>
+            </a:solidFill>
+            <a:prstDash val="solid"/>
+            <a:tailEnd type="arrow"/>
+          </a:ln>
+        </p:spPr>
+      </p:cxnSp>
+      <p:sp>
+        <p:nvSpPr>
+          <p:cNvPr id="166" name=""/>
+          <p:cNvSpPr txBox="1"/>
+          <p:nvPr/>
+        </p:nvSpPr>
+        <p:spPr>
+          <a:xfrm>
+            <a:off x="2284593" y="5626392"/>
+            <a:ext cx="957100" cy="362928"/>
+          </a:xfrm>
+          <a:prstGeom prst="rect">
+            <a:avLst/>
+          </a:prstGeom>
+        </p:spPr>
+        <p:txBody>
+          <a:bodyPr wrap="square">
+            <a:spAutoFit/>
+          </a:bodyPr>
+          <a:p>
+            <a:pPr marL="0" indent="0" algn="l" defTabSz="914400" rtl="0" eaLnBrk="1" latinLnBrk="1" hangingPunct="1">
+              <a:lnSpc>
+                <a:spcPct val="100000"/>
+              </a:lnSpc>
+              <a:spcBef>
+                <a:spcPct val="0"/>
+              </a:spcBef>
+              <a:spcAft>
+                <a:spcPts val="0"/>
+              </a:spcAft>
+              <a:buNone/>
+              <a:defRPr/>
+            </a:pPr>
+            <a:r>
+              <a:rPr xmlns:mc="http://schemas.openxmlformats.org/markup-compatibility/2006" xmlns:hp="http://schemas.haansoft.com/office/presentation/8.0" kumimoji="0" lang="en-US" altLang="ko-KR" sz="1800" b="1" i="0" u="none" strike="noStrike" kern="1200" cap="none" spc="0" normalizeH="0" baseline="0" mc:Ignorable="hp" hp:hslEmbossed="0">
+                <a:solidFill>
+                  <a:srgbClr val="000000"/>
+                </a:solidFill>
+                <a:latin typeface="맑은 고딕"/>
+                <a:cs typeface="Calibri"/>
+              </a:rPr>
+              <a:t>PM2LL</a:t>
+            </a:r>
+            <a:endParaRPr xmlns:mc="http://schemas.openxmlformats.org/markup-compatibility/2006" xmlns:hp="http://schemas.haansoft.com/office/presentation/8.0" kumimoji="0" lang="en-US" altLang="ko-KR" sz="1800" b="1" i="0" u="none" strike="noStrike" kern="1200" cap="none" spc="0" normalizeH="0" baseline="0" mc:Ignorable="hp" hp:hslEmbossed="0">
+              <a:solidFill>
+                <a:srgbClr val="000000"/>
+              </a:solidFill>
+              <a:latin typeface="맑은 고딕"/>
+              <a:cs typeface="Calibri"/>
+            </a:endParaRPr>
+          </a:p>
+        </p:txBody>
+      </p:sp>
+      <p:sp>
+        <p:nvSpPr>
+          <p:cNvPr id="167" name=""/>
+          <p:cNvSpPr txBox="1"/>
+          <p:nvPr/>
+        </p:nvSpPr>
+        <p:spPr>
+          <a:xfrm>
+            <a:off x="5670805" y="5626392"/>
+            <a:ext cx="1174829" cy="362928"/>
+          </a:xfrm>
+          <a:prstGeom prst="rect">
+            <a:avLst/>
+          </a:prstGeom>
+        </p:spPr>
+        <p:txBody>
+          <a:bodyPr wrap="square">
+            <a:spAutoFit/>
+          </a:bodyPr>
+          <a:p>
+            <a:pPr marL="0" indent="0" algn="l" defTabSz="914400" rtl="0" eaLnBrk="1" latinLnBrk="1" hangingPunct="1">
+              <a:lnSpc>
+                <a:spcPct val="100000"/>
+              </a:lnSpc>
+              <a:spcBef>
+                <a:spcPct val="0"/>
+              </a:spcBef>
+              <a:spcAft>
+                <a:spcPts val="0"/>
+              </a:spcAft>
+              <a:buNone/>
+              <a:defRPr/>
+            </a:pPr>
+            <a:r>
+              <a:rPr xmlns:mc="http://schemas.openxmlformats.org/markup-compatibility/2006" xmlns:hp="http://schemas.haansoft.com/office/presentation/8.0" kumimoji="0" lang="en-US" altLang="ko-KR" sz="1800" b="1" i="0" u="none" strike="noStrike" kern="1200" cap="none" spc="0" normalizeH="0" baseline="0" mc:Ignorable="hp" hp:hslEmbossed="0">
+                <a:solidFill>
+                  <a:srgbClr val="000000"/>
+                </a:solidFill>
+                <a:latin typeface="맑은 고딕"/>
+                <a:cs typeface="Calibri"/>
+              </a:rPr>
+              <a:t>LL2OUT</a:t>
+            </a:r>
+            <a:endParaRPr xmlns:mc="http://schemas.openxmlformats.org/markup-compatibility/2006" xmlns:hp="http://schemas.haansoft.com/office/presentation/8.0" kumimoji="0" lang="en-US" altLang="ko-KR" sz="1800" b="1" i="0" u="none" strike="noStrike" kern="1200" cap="none" spc="0" normalizeH="0" baseline="0" mc:Ignorable="hp" hp:hslEmbossed="0">
+              <a:solidFill>
+                <a:srgbClr val="000000"/>
+              </a:solidFill>
+              <a:latin typeface="맑은 고딕"/>
+              <a:cs typeface="Calibri"/>
+            </a:endParaRPr>
+          </a:p>
+        </p:txBody>
+      </p:sp>
+      <p:cxnSp>
+        <p:nvCxnSpPr>
+          <p:cNvPr id="168" name=""/>
+          <p:cNvCxnSpPr/>
+          <p:nvPr/>
+        </p:nvCxnSpPr>
+        <p:spPr>
+          <a:xfrm>
+            <a:off x="312236" y="1295003"/>
+            <a:ext cx="11580475" cy="0"/>
+          </a:xfrm>
+          <a:prstGeom prst="straightConnector1">
+            <a:avLst/>
+          </a:prstGeom>
+          <a:noFill/>
+          <a:ln w="38100" cap="flat" cmpd="sng" algn="ctr">
+            <a:solidFill>
+              <a:srgbClr val="58bcf5">
+                <a:alpha val="100000"/>
+              </a:srgbClr>
+            </a:solidFill>
+            <a:prstDash val="solid"/>
+            <a:tailEnd type="arrow"/>
+          </a:ln>
+        </p:spPr>
+      </p:cxnSp>
+      <p:cxnSp>
+        <p:nvCxnSpPr>
+          <p:cNvPr id="169" name=""/>
+          <p:cNvCxnSpPr/>
+          <p:nvPr/>
+        </p:nvCxnSpPr>
+        <p:spPr>
+          <a:xfrm>
+            <a:off x="312237" y="1523075"/>
+            <a:ext cx="11580474" cy="0"/>
+          </a:xfrm>
+          <a:prstGeom prst="straightConnector1">
+            <a:avLst/>
+          </a:prstGeom>
+          <a:noFill/>
+          <a:ln w="38100" cap="flat" cmpd="sng" algn="ctr">
+            <a:solidFill>
+              <a:srgbClr val="ff0000">
+                <a:alpha val="100000"/>
+              </a:srgbClr>
+            </a:solidFill>
+            <a:prstDash val="solid"/>
+            <a:tailEnd type="arrow"/>
+          </a:ln>
+        </p:spPr>
+      </p:cxnSp>
+      <p:cxnSp>
+        <p:nvCxnSpPr>
+          <p:cNvPr id="177" name=""/>
+          <p:cNvCxnSpPr/>
+          <p:nvPr/>
+        </p:nvCxnSpPr>
+        <p:spPr>
+          <a:xfrm>
+            <a:off x="1542944" y="2209020"/>
+            <a:ext cx="1220201" cy="0"/>
+          </a:xfrm>
+          <a:prstGeom prst="straightConnector1">
+            <a:avLst/>
+          </a:prstGeom>
+          <a:noFill/>
+          <a:ln w="38100" cap="flat" cmpd="sng" algn="ctr">
+            <a:solidFill>
+              <a:srgbClr val="69d8ad">
+                <a:alpha val="100000"/>
+              </a:srgbClr>
+            </a:solidFill>
+            <a:prstDash val="solid"/>
+            <a:tailEnd type="arrow"/>
+          </a:ln>
+        </p:spPr>
+      </p:cxnSp>
+      <p:cxnSp>
+        <p:nvCxnSpPr>
+          <p:cNvPr id="182" name=""/>
+          <p:cNvCxnSpPr/>
+          <p:nvPr/>
+        </p:nvCxnSpPr>
+        <p:spPr>
+          <a:xfrm>
+            <a:off x="2763145" y="2209020"/>
+            <a:ext cx="1220201" cy="0"/>
+          </a:xfrm>
+          <a:prstGeom prst="straightConnector1">
+            <a:avLst/>
+          </a:prstGeom>
+          <a:noFill/>
+          <a:ln w="38100" cap="flat" cmpd="sng" algn="ctr">
+            <a:solidFill>
+              <a:srgbClr val="69d8ad">
+                <a:alpha val="100000"/>
+              </a:srgbClr>
+            </a:solidFill>
+            <a:prstDash val="solid"/>
+            <a:tailEnd type="arrow"/>
+          </a:ln>
+        </p:spPr>
+      </p:cxnSp>
+      <p:cxnSp>
+        <p:nvCxnSpPr>
+          <p:cNvPr id="183" name=""/>
+          <p:cNvCxnSpPr/>
+          <p:nvPr/>
+        </p:nvCxnSpPr>
+        <p:spPr>
+          <a:xfrm>
+            <a:off x="2763142" y="2632109"/>
+            <a:ext cx="1220201" cy="0"/>
+          </a:xfrm>
+          <a:prstGeom prst="straightConnector1">
+            <a:avLst/>
+          </a:prstGeom>
+          <a:noFill/>
+          <a:ln w="38100" cap="flat" cmpd="sng" algn="ctr">
+            <a:solidFill>
+              <a:srgbClr val="783e94">
+                <a:alpha val="100000"/>
+              </a:srgbClr>
+            </a:solidFill>
+            <a:prstDash val="solid"/>
+            <a:tailEnd type="arrow"/>
+          </a:ln>
+        </p:spPr>
+      </p:cxnSp>
+      <p:cxnSp>
+        <p:nvCxnSpPr>
+          <p:cNvPr id="192" name=""/>
+          <p:cNvCxnSpPr/>
+          <p:nvPr/>
+        </p:nvCxnSpPr>
+        <p:spPr>
+          <a:xfrm>
+            <a:off x="3983343" y="2632109"/>
+            <a:ext cx="1220201" cy="0"/>
+          </a:xfrm>
+          <a:prstGeom prst="straightConnector1">
+            <a:avLst/>
+          </a:prstGeom>
+          <a:noFill/>
+          <a:ln w="38100" cap="flat" cmpd="sng" algn="ctr">
+            <a:solidFill>
+              <a:srgbClr val="783e94">
+                <a:alpha val="100000"/>
+              </a:srgbClr>
+            </a:solidFill>
+            <a:prstDash val="solid"/>
+            <a:tailEnd type="arrow"/>
+          </a:ln>
+        </p:spPr>
+      </p:cxnSp>
+      <p:cxnSp>
+        <p:nvCxnSpPr>
+          <p:cNvPr id="197" name=""/>
+          <p:cNvCxnSpPr/>
+          <p:nvPr/>
+        </p:nvCxnSpPr>
+        <p:spPr>
+          <a:xfrm>
+            <a:off x="3983346" y="2999250"/>
+            <a:ext cx="2701476" cy="0"/>
+          </a:xfrm>
+          <a:prstGeom prst="straightConnector1">
+            <a:avLst/>
+          </a:prstGeom>
+          <a:noFill/>
+          <a:ln w="38100" cap="flat" cmpd="sng" algn="ctr">
+            <a:solidFill>
+              <a:srgbClr val="cea61d">
+                <a:alpha val="100000"/>
+              </a:srgbClr>
+            </a:solidFill>
+            <a:prstDash val="solid"/>
+            <a:tailEnd type="arrow"/>
+          </a:ln>
+        </p:spPr>
+      </p:cxnSp>
+      <p:cxnSp>
+        <p:nvCxnSpPr>
+          <p:cNvPr id="199" name=""/>
+          <p:cNvCxnSpPr/>
+          <p:nvPr/>
+        </p:nvCxnSpPr>
+        <p:spPr>
+          <a:xfrm>
+            <a:off x="312237" y="1754248"/>
+            <a:ext cx="1220201" cy="0"/>
+          </a:xfrm>
+          <a:prstGeom prst="straightConnector1">
+            <a:avLst/>
+          </a:prstGeom>
+          <a:noFill/>
+          <a:ln w="38100" cap="flat" cmpd="sng" algn="ctr">
+            <a:solidFill>
+              <a:srgbClr val="008000">
+                <a:alpha val="100000"/>
+              </a:srgbClr>
+            </a:solidFill>
+            <a:prstDash val="solid"/>
+            <a:tailEnd type="arrow"/>
+          </a:ln>
+        </p:spPr>
+      </p:cxnSp>
+      <p:cxnSp>
+        <p:nvCxnSpPr>
+          <p:cNvPr id="200" name=""/>
+          <p:cNvCxnSpPr/>
+          <p:nvPr/>
+        </p:nvCxnSpPr>
+        <p:spPr>
+          <a:xfrm>
+            <a:off x="1542941" y="1754248"/>
+            <a:ext cx="1220201" cy="0"/>
+          </a:xfrm>
+          <a:prstGeom prst="straightConnector1">
+            <a:avLst/>
+          </a:prstGeom>
+          <a:noFill/>
+          <a:ln w="38100" cap="flat" cmpd="sng" algn="ctr">
+            <a:solidFill>
+              <a:srgbClr val="008000">
+                <a:alpha val="100000"/>
+              </a:srgbClr>
+            </a:solidFill>
+            <a:prstDash val="solid"/>
+            <a:tailEnd type="arrow"/>
+          </a:ln>
+        </p:spPr>
+      </p:cxnSp>
+      <p:cxnSp>
+        <p:nvCxnSpPr>
+          <p:cNvPr id="201" name=""/>
+          <p:cNvCxnSpPr/>
+          <p:nvPr/>
+        </p:nvCxnSpPr>
+        <p:spPr>
+          <a:xfrm>
+            <a:off x="2763145" y="1754248"/>
+            <a:ext cx="1220201" cy="0"/>
+          </a:xfrm>
+          <a:prstGeom prst="straightConnector1">
+            <a:avLst/>
+          </a:prstGeom>
+          <a:noFill/>
+          <a:ln w="38100" cap="flat" cmpd="sng" algn="ctr">
+            <a:solidFill>
+              <a:srgbClr val="008000">
+                <a:alpha val="100000"/>
+              </a:srgbClr>
+            </a:solidFill>
+            <a:prstDash val="solid"/>
+            <a:tailEnd type="arrow"/>
+          </a:ln>
+        </p:spPr>
+      </p:cxnSp>
+      <p:cxnSp>
+        <p:nvCxnSpPr>
+          <p:cNvPr id="202" name=""/>
+          <p:cNvCxnSpPr/>
+          <p:nvPr/>
+        </p:nvCxnSpPr>
+        <p:spPr>
+          <a:xfrm>
+            <a:off x="3983346" y="1754248"/>
+            <a:ext cx="1220201" cy="0"/>
+          </a:xfrm>
+          <a:prstGeom prst="straightConnector1">
+            <a:avLst/>
+          </a:prstGeom>
+          <a:noFill/>
+          <a:ln w="38100" cap="flat" cmpd="sng" algn="ctr">
+            <a:solidFill>
+              <a:srgbClr val="008000">
+                <a:alpha val="100000"/>
+              </a:srgbClr>
+            </a:solidFill>
+            <a:prstDash val="solid"/>
+            <a:tailEnd type="arrow"/>
+          </a:ln>
+        </p:spPr>
+      </p:cxnSp>
+      <p:cxnSp>
+        <p:nvCxnSpPr>
+          <p:cNvPr id="203" name=""/>
+          <p:cNvCxnSpPr/>
+          <p:nvPr/>
+        </p:nvCxnSpPr>
+        <p:spPr>
+          <a:xfrm>
+            <a:off x="3983346" y="2209020"/>
+            <a:ext cx="1220201" cy="0"/>
+          </a:xfrm>
+          <a:prstGeom prst="straightConnector1">
+            <a:avLst/>
+          </a:prstGeom>
+          <a:noFill/>
+          <a:ln w="38100" cap="flat" cmpd="sng" algn="ctr">
+            <a:solidFill>
+              <a:srgbClr val="69d8ad">
+                <a:alpha val="100000"/>
+              </a:srgbClr>
+            </a:solidFill>
+            <a:prstDash val="solid"/>
+            <a:tailEnd type="arrow"/>
+          </a:ln>
+        </p:spPr>
+      </p:cxnSp>
+      <p:cxnSp>
+        <p:nvCxnSpPr>
+          <p:cNvPr id="204" name=""/>
+          <p:cNvCxnSpPr/>
+          <p:nvPr/>
+        </p:nvCxnSpPr>
+        <p:spPr>
+          <a:xfrm>
+            <a:off x="5203547" y="2209020"/>
+            <a:ext cx="1220201" cy="0"/>
+          </a:xfrm>
+          <a:prstGeom prst="straightConnector1">
+            <a:avLst/>
+          </a:prstGeom>
+          <a:noFill/>
+          <a:ln w="38100" cap="flat" cmpd="sng" algn="ctr">
+            <a:solidFill>
+              <a:srgbClr val="69d8ad">
+                <a:alpha val="100000"/>
+              </a:srgbClr>
+            </a:solidFill>
+            <a:prstDash val="solid"/>
+            <a:tailEnd type="arrow"/>
+          </a:ln>
+        </p:spPr>
+      </p:cxnSp>
+      <p:cxnSp>
+        <p:nvCxnSpPr>
+          <p:cNvPr id="206" name=""/>
+          <p:cNvCxnSpPr/>
+          <p:nvPr/>
+        </p:nvCxnSpPr>
+        <p:spPr>
+          <a:xfrm>
+            <a:off x="6684822" y="4026663"/>
+            <a:ext cx="5047078" cy="0"/>
+          </a:xfrm>
+          <a:prstGeom prst="straightConnector1">
+            <a:avLst/>
+          </a:prstGeom>
+          <a:noFill/>
+          <a:ln w="38100" cap="flat" cmpd="sng" algn="ctr">
+            <a:solidFill>
+              <a:srgbClr val="000000">
+                <a:alpha val="100000"/>
+              </a:srgbClr>
+            </a:solidFill>
+            <a:prstDash val="solid"/>
+            <a:tailEnd type="arrow"/>
+          </a:ln>
+        </p:spPr>
+      </p:cxnSp>
+      <p:sp>
+        <p:nvSpPr>
+          <p:cNvPr id="209" name=""/>
+          <p:cNvSpPr/>
+          <p:nvPr/>
+        </p:nvSpPr>
+        <p:spPr>
+          <a:xfrm>
+            <a:off x="6684822" y="3742481"/>
+            <a:ext cx="892452" cy="284182"/>
+          </a:xfrm>
+          <a:prstGeom prst="rect">
+            <a:avLst/>
+          </a:prstGeom>
+          <a:solidFill>
+            <a:srgbClr val="000000">
+              <a:alpha val="100000"/>
+            </a:srgbClr>
+          </a:solidFill>
+          <a:ln w="9525">
+            <a:solidFill>
+              <a:srgbClr val="000000">
+                <a:alpha val="100000"/>
+              </a:srgbClr>
+            </a:solidFill>
+            <a:miter/>
+          </a:ln>
+        </p:spPr>
+        <p:txBody>
+          <a:bodyPr anchor="ctr"/>
+          <a:p>
+            <a:pPr marL="0" indent="0" algn="l" defTabSz="914400" rtl="0" eaLnBrk="1" latinLnBrk="1" hangingPunct="1">
+              <a:lnSpc>
+                <a:spcPct val="150000"/>
+              </a:lnSpc>
+              <a:spcBef>
+                <a:spcPct val="0"/>
+              </a:spcBef>
+              <a:spcAft>
+                <a:spcPts val="0"/>
+              </a:spcAft>
+              <a:buFontTx/>
+              <a:buNone/>
+              <a:defRPr/>
+            </a:pPr>
+            <a:endParaRPr xmlns:mc="http://schemas.openxmlformats.org/markup-compatibility/2006" xmlns:hp="http://schemas.haansoft.com/office/presentation/8.0" kumimoji="0" sz="1800" b="0" i="0" u="none" strike="noStrike" kern="1200" cap="none" spc="0" normalizeH="0" baseline="0" mc:Ignorable="hp" hp:hslEmbossed="0">
+              <a:solidFill>
+                <a:srgbClr val="000099"/>
+              </a:solidFill>
+              <a:latin typeface="맑은 고딕"/>
+              <a:ea typeface="맑은 고딕"/>
+              <a:cs typeface="Arial Unicode MS"/>
+            </a:endParaRPr>
+          </a:p>
+        </p:txBody>
+      </p:sp>
+      <p:cxnSp>
+        <p:nvCxnSpPr>
+          <p:cNvPr id="214" name=""/>
+          <p:cNvCxnSpPr/>
+          <p:nvPr/>
+        </p:nvCxnSpPr>
+        <p:spPr>
+          <a:xfrm>
+            <a:off x="5203544" y="3429000"/>
+            <a:ext cx="2701476" cy="0"/>
+          </a:xfrm>
+          <a:prstGeom prst="straightConnector1">
+            <a:avLst/>
+          </a:prstGeom>
+          <a:noFill/>
+          <a:ln w="38100" cap="flat" cmpd="sng" algn="ctr">
+            <a:solidFill>
+              <a:srgbClr val="cea61d">
+                <a:alpha val="100000"/>
+              </a:srgbClr>
+            </a:solidFill>
+            <a:prstDash val="solid"/>
+            <a:tailEnd type="arrow"/>
+          </a:ln>
+        </p:spPr>
+      </p:cxnSp>
+      <p:cxnSp>
+        <p:nvCxnSpPr>
+          <p:cNvPr id="215" name=""/>
+          <p:cNvCxnSpPr/>
+          <p:nvPr/>
+        </p:nvCxnSpPr>
+        <p:spPr>
+          <a:xfrm>
+            <a:off x="7577274" y="2999250"/>
+            <a:ext cx="2701476" cy="0"/>
+          </a:xfrm>
+          <a:prstGeom prst="straightConnector1">
+            <a:avLst/>
+          </a:prstGeom>
+          <a:noFill/>
+          <a:ln w="38100" cap="flat" cmpd="sng" algn="ctr">
+            <a:solidFill>
+              <a:srgbClr val="cea61d">
+                <a:alpha val="100000"/>
+              </a:srgbClr>
+            </a:solidFill>
+            <a:prstDash val="solid"/>
+            <a:tailEnd type="arrow"/>
+          </a:ln>
+        </p:spPr>
+      </p:cxnSp>
+      <p:cxnSp>
+        <p:nvCxnSpPr>
+          <p:cNvPr id="216" name=""/>
+          <p:cNvCxnSpPr/>
+          <p:nvPr/>
+        </p:nvCxnSpPr>
+        <p:spPr>
+          <a:xfrm>
+            <a:off x="7577274" y="2209020"/>
+            <a:ext cx="1220201" cy="0"/>
+          </a:xfrm>
+          <a:prstGeom prst="straightConnector1">
+            <a:avLst/>
+          </a:prstGeom>
+          <a:noFill/>
+          <a:ln w="38100" cap="flat" cmpd="sng" algn="ctr">
+            <a:solidFill>
+              <a:srgbClr val="69d8ad">
+                <a:alpha val="100000"/>
+              </a:srgbClr>
+            </a:solidFill>
+            <a:prstDash val="solid"/>
+            <a:tailEnd type="arrow"/>
+          </a:ln>
+        </p:spPr>
+      </p:cxnSp>
+      <p:sp>
+        <p:nvSpPr>
+          <p:cNvPr id="217" name=""/>
+          <p:cNvSpPr/>
+          <p:nvPr/>
+        </p:nvSpPr>
+        <p:spPr>
+          <a:xfrm>
+            <a:off x="7905024" y="3742481"/>
+            <a:ext cx="892452" cy="284182"/>
+          </a:xfrm>
+          <a:prstGeom prst="rect">
+            <a:avLst/>
+          </a:prstGeom>
+          <a:solidFill>
+            <a:srgbClr val="000000">
+              <a:alpha val="100000"/>
+            </a:srgbClr>
+          </a:solidFill>
+          <a:ln w="9525">
+            <a:solidFill>
+              <a:srgbClr val="000000">
+                <a:alpha val="100000"/>
+              </a:srgbClr>
+            </a:solidFill>
+            <a:miter/>
+          </a:ln>
+        </p:spPr>
+        <p:txBody>
+          <a:bodyPr anchor="ctr"/>
+          <a:p>
+            <a:pPr marL="0" indent="0" algn="l" defTabSz="914400" rtl="0" eaLnBrk="1" latinLnBrk="1" hangingPunct="1">
+              <a:lnSpc>
+                <a:spcPct val="150000"/>
+              </a:lnSpc>
+              <a:spcBef>
+                <a:spcPct val="0"/>
+              </a:spcBef>
+              <a:spcAft>
+                <a:spcPts val="0"/>
+              </a:spcAft>
+              <a:buFontTx/>
+              <a:buNone/>
+              <a:defRPr/>
+            </a:pPr>
+            <a:endParaRPr xmlns:mc="http://schemas.openxmlformats.org/markup-compatibility/2006" xmlns:hp="http://schemas.haansoft.com/office/presentation/8.0" kumimoji="0" sz="1800" b="0" i="0" u="none" strike="noStrike" kern="1200" cap="none" spc="0" normalizeH="0" baseline="0" mc:Ignorable="hp" hp:hslEmbossed="0">
+              <a:solidFill>
+                <a:srgbClr val="000099"/>
+              </a:solidFill>
+              <a:latin typeface="맑은 고딕"/>
+              <a:ea typeface="맑은 고딕"/>
+              <a:cs typeface="Arial Unicode MS"/>
+            </a:endParaRPr>
+          </a:p>
+        </p:txBody>
+      </p:sp>
+      <p:cxnSp>
+        <p:nvCxnSpPr>
+          <p:cNvPr id="218" name=""/>
+          <p:cNvCxnSpPr/>
+          <p:nvPr/>
+        </p:nvCxnSpPr>
+        <p:spPr>
+          <a:xfrm>
+            <a:off x="8797476" y="2209020"/>
+            <a:ext cx="1220201" cy="0"/>
+          </a:xfrm>
+          <a:prstGeom prst="straightConnector1">
+            <a:avLst/>
+          </a:prstGeom>
+          <a:noFill/>
+          <a:ln w="38100" cap="flat" cmpd="sng" algn="ctr">
+            <a:solidFill>
+              <a:srgbClr val="69d8ad">
+                <a:alpha val="100000"/>
+              </a:srgbClr>
+            </a:solidFill>
+            <a:prstDash val="solid"/>
+            <a:tailEnd type="arrow"/>
+          </a:ln>
+        </p:spPr>
+      </p:cxnSp>
+      <p:cxnSp>
+        <p:nvCxnSpPr>
+          <p:cNvPr id="219" name=""/>
+          <p:cNvCxnSpPr/>
+          <p:nvPr/>
+        </p:nvCxnSpPr>
+        <p:spPr>
+          <a:xfrm>
+            <a:off x="8797476" y="3429000"/>
+            <a:ext cx="2701476" cy="0"/>
+          </a:xfrm>
+          <a:prstGeom prst="straightConnector1">
+            <a:avLst/>
+          </a:prstGeom>
+          <a:noFill/>
+          <a:ln w="38100" cap="flat" cmpd="sng" algn="ctr">
+            <a:solidFill>
+              <a:srgbClr val="cea61d">
+                <a:alpha val="100000"/>
+              </a:srgbClr>
+            </a:solidFill>
+            <a:prstDash val="solid"/>
+            <a:tailEnd type="arrow"/>
+          </a:ln>
+        </p:spPr>
+      </p:cxnSp>
+      <p:cxnSp>
+        <p:nvCxnSpPr>
+          <p:cNvPr id="220" name=""/>
+          <p:cNvCxnSpPr/>
+          <p:nvPr/>
+        </p:nvCxnSpPr>
+        <p:spPr>
+          <a:xfrm>
+            <a:off x="8797476" y="4263467"/>
+            <a:ext cx="1220201" cy="0"/>
+          </a:xfrm>
+          <a:prstGeom prst="straightConnector1">
+            <a:avLst/>
+          </a:prstGeom>
+          <a:noFill/>
+          <a:ln w="38100" cap="flat" cmpd="sng" algn="ctr">
+            <a:solidFill>
+              <a:srgbClr val="0000ff">
+                <a:alpha val="100000"/>
+              </a:srgbClr>
+            </a:solidFill>
+            <a:prstDash val="solid"/>
+            <a:tailEnd type="arrow"/>
+          </a:ln>
+        </p:spPr>
+      </p:cxnSp>
+      <p:cxnSp>
+        <p:nvCxnSpPr>
+          <p:cNvPr id="221" name=""/>
+          <p:cNvCxnSpPr/>
+          <p:nvPr/>
+        </p:nvCxnSpPr>
+        <p:spPr>
+          <a:xfrm>
+            <a:off x="10017677" y="4263467"/>
+            <a:ext cx="1220201" cy="0"/>
+          </a:xfrm>
+          <a:prstGeom prst="straightConnector1">
+            <a:avLst/>
+          </a:prstGeom>
+          <a:noFill/>
+          <a:ln w="38100" cap="flat" cmpd="sng" algn="ctr">
+            <a:solidFill>
+              <a:srgbClr val="0000ff">
+                <a:alpha val="100000"/>
+              </a:srgbClr>
+            </a:solidFill>
+            <a:prstDash val="solid"/>
+            <a:tailEnd type="arrow"/>
+          </a:ln>
+        </p:spPr>
+      </p:cxnSp>
+      <p:sp>
+        <p:nvSpPr>
+          <p:cNvPr id="222" name=""/>
+          <p:cNvSpPr/>
+          <p:nvPr/>
+        </p:nvSpPr>
+        <p:spPr>
+          <a:xfrm>
+            <a:off x="5203544" y="3240826"/>
+            <a:ext cx="6295406" cy="376347"/>
+          </a:xfrm>
+          <a:prstGeom prst="rect">
+            <a:avLst/>
+          </a:prstGeom>
+          <a:noFill/>
+          <a:ln w="25400">
+            <a:solidFill>
+              <a:schemeClr val="tx1"/>
+            </a:solidFill>
+            <a:miter/>
+          </a:ln>
+        </p:spPr>
+        <p:txBody>
+          <a:bodyPr anchor="ctr"/>
+          <a:p>
+            <a:pPr algn="l">
+              <a:lnSpc>
+                <a:spcPct val="150000"/>
+              </a:lnSpc>
+              <a:buFontTx/>
+              <a:buNone/>
+              <a:defRPr/>
+            </a:pPr>
+            <a:endParaRPr>
+              <a:solidFill>
+                <a:srgbClr val="000099"/>
+              </a:solidFill>
+              <a:latin typeface="+mn-ea"/>
+              <a:ea typeface="+mn-ea"/>
+              <a:cs typeface="Arial Unicode MS"/>
+            </a:endParaRPr>
+          </a:p>
+        </p:txBody>
+      </p:sp>
+      <p:sp>
+        <p:nvSpPr>
+          <p:cNvPr id="223" name=""/>
+          <p:cNvSpPr/>
+          <p:nvPr/>
+        </p:nvSpPr>
+        <p:spPr>
+          <a:xfrm>
+            <a:off x="3983343" y="2811076"/>
+            <a:ext cx="6295406" cy="376347"/>
+          </a:xfrm>
+          <a:prstGeom prst="rect">
+            <a:avLst/>
+          </a:prstGeom>
+          <a:noFill/>
+          <a:ln w="25400">
+            <a:solidFill>
+              <a:srgbClr val="000000">
+                <a:alpha val="100000"/>
+              </a:srgbClr>
+            </a:solidFill>
+            <a:miter/>
+          </a:ln>
+        </p:spPr>
+        <p:txBody>
+          <a:bodyPr anchor="ctr"/>
+          <a:p>
+            <a:pPr marL="0" indent="0" algn="l" defTabSz="914400" rtl="0" eaLnBrk="1" latinLnBrk="1" hangingPunct="1">
+              <a:lnSpc>
+                <a:spcPct val="150000"/>
+              </a:lnSpc>
+              <a:spcBef>
+                <a:spcPct val="0"/>
+              </a:spcBef>
+              <a:spcAft>
+                <a:spcPts val="0"/>
+              </a:spcAft>
+              <a:buFontTx/>
+              <a:buNone/>
+              <a:defRPr/>
+            </a:pPr>
+            <a:endParaRPr xmlns:mc="http://schemas.openxmlformats.org/markup-compatibility/2006" xmlns:hp="http://schemas.haansoft.com/office/presentation/8.0" kumimoji="0" sz="1800" i="0" u="none" strike="noStrike" kern="1200" cap="none" spc="0" normalizeH="0" baseline="0" mc:Ignorable="hp" hp:hslEmbossed="0">
+              <a:solidFill>
+                <a:srgbClr val="000099"/>
+              </a:solidFill>
+              <a:latin typeface="맑은 고딕"/>
+              <a:ea typeface="맑은 고딕"/>
+              <a:cs typeface="Arial Unicode MS"/>
+            </a:endParaRPr>
+          </a:p>
+        </p:txBody>
+      </p:sp>
+      <p:sp>
+        <p:nvSpPr>
+          <p:cNvPr id="224" name=""/>
+          <p:cNvSpPr txBox="1"/>
+          <p:nvPr/>
+        </p:nvSpPr>
+        <p:spPr>
+          <a:xfrm>
+            <a:off x="3241693" y="2800961"/>
+            <a:ext cx="741653" cy="330859"/>
+          </a:xfrm>
+          <a:prstGeom prst="rect">
+            <a:avLst/>
+          </a:prstGeom>
+          <a:noFill/>
+        </p:spPr>
+        <p:txBody>
+          <a:bodyPr wrap="square">
+            <a:spAutoFit/>
+          </a:bodyPr>
+          <a:p>
+            <a:pPr algn="ctr">
+              <a:defRPr/>
+            </a:pPr>
+            <a:r>
+              <a:rPr lang="en-US" altLang="ko-KR" sz="1600" b="1">
+                <a:solidFill>
+                  <a:schemeClr val="tx1"/>
+                </a:solidFill>
+                <a:latin typeface="+mn-ea"/>
+                <a:ea typeface="+mn-ea"/>
+              </a:rPr>
+              <a:t>PM1</a:t>
+            </a:r>
+            <a:endParaRPr lang="en-US" altLang="ko-KR" sz="1600" b="1">
+              <a:solidFill>
+                <a:schemeClr val="tx1"/>
+              </a:solidFill>
+              <a:latin typeface="+mn-ea"/>
+              <a:ea typeface="+mn-ea"/>
+            </a:endParaRPr>
+          </a:p>
+        </p:txBody>
+      </p:sp>
+      <p:sp>
+        <p:nvSpPr>
+          <p:cNvPr id="225" name=""/>
+          <p:cNvSpPr txBox="1"/>
+          <p:nvPr/>
+        </p:nvSpPr>
+        <p:spPr>
+          <a:xfrm>
+            <a:off x="4545825" y="3259286"/>
+            <a:ext cx="657719" cy="329734"/>
+          </a:xfrm>
+          <a:prstGeom prst="rect">
+            <a:avLst/>
+          </a:prstGeom>
+          <a:noFill/>
+        </p:spPr>
+        <p:txBody>
+          <a:bodyPr wrap="square">
+            <a:spAutoFit/>
+          </a:bodyPr>
+          <a:p>
+            <a:pPr marL="0" indent="0" algn="ctr" defTabSz="914400" rtl="0" eaLnBrk="1" latinLnBrk="1" hangingPunct="1">
+              <a:lnSpc>
+                <a:spcPct val="100000"/>
+              </a:lnSpc>
+              <a:spcBef>
+                <a:spcPct val="0"/>
+              </a:spcBef>
+              <a:spcAft>
+                <a:spcPts val="0"/>
+              </a:spcAft>
+              <a:buNone/>
+              <a:defRPr/>
+            </a:pPr>
+            <a:r>
+              <a:rPr xmlns:mc="http://schemas.openxmlformats.org/markup-compatibility/2006" xmlns:hp="http://schemas.haansoft.com/office/presentation/8.0" kumimoji="0" lang="en-US" altLang="ko-KR" sz="1600" b="1" i="0" u="none" strike="noStrike" kern="1200" cap="none" spc="0" normalizeH="0" baseline="0" mc:Ignorable="hp" hp:hslEmbossed="0">
+                <a:solidFill>
+                  <a:srgbClr val="000000"/>
+                </a:solidFill>
+                <a:latin typeface="맑은 고딕"/>
+                <a:ea typeface="맑은 고딕"/>
+              </a:rPr>
+              <a:t>PM2</a:t>
+            </a:r>
+            <a:endParaRPr xmlns:mc="http://schemas.openxmlformats.org/markup-compatibility/2006" xmlns:hp="http://schemas.haansoft.com/office/presentation/8.0" kumimoji="0" lang="en-US" altLang="ko-KR" sz="1600" b="1" i="0" u="none" strike="noStrike" kern="1200" cap="none" spc="0" normalizeH="0" baseline="0" mc:Ignorable="hp" hp:hslEmbossed="0">
+              <a:solidFill>
+                <a:srgbClr val="000000"/>
+              </a:solidFill>
+              <a:latin typeface="맑은 고딕"/>
+              <a:ea typeface="맑은 고딕"/>
+            </a:endParaRPr>
+          </a:p>
+        </p:txBody>
+      </p:sp>
+      <p:sp>
+        <p:nvSpPr>
+          <p:cNvPr id="226" name=""/>
+          <p:cNvSpPr/>
+          <p:nvPr/>
+        </p:nvSpPr>
+        <p:spPr>
+          <a:xfrm>
+            <a:off x="7577274" y="2020846"/>
+            <a:ext cx="2440403" cy="376347"/>
+          </a:xfrm>
+          <a:prstGeom prst="rect">
+            <a:avLst/>
+          </a:prstGeom>
+          <a:noFill/>
+          <a:ln w="25400">
+            <a:solidFill>
+              <a:srgbClr val="000000">
+                <a:alpha val="100000"/>
+              </a:srgbClr>
+            </a:solidFill>
+            <a:miter/>
+          </a:ln>
+        </p:spPr>
+        <p:txBody>
+          <a:bodyPr anchor="ctr"/>
+          <a:p>
+            <a:pPr marL="0" indent="0" algn="l" defTabSz="914400" rtl="0" eaLnBrk="1" latinLnBrk="1" hangingPunct="1">
+              <a:lnSpc>
+                <a:spcPct val="150000"/>
+              </a:lnSpc>
+              <a:spcBef>
+                <a:spcPct val="0"/>
+              </a:spcBef>
+              <a:spcAft>
+                <a:spcPts val="0"/>
+              </a:spcAft>
+              <a:buFontTx/>
+              <a:buNone/>
+              <a:defRPr/>
+            </a:pPr>
+            <a:endParaRPr xmlns:mc="http://schemas.openxmlformats.org/markup-compatibility/2006" xmlns:hp="http://schemas.haansoft.com/office/presentation/8.0" kumimoji="0" sz="1800" b="0" i="0" u="none" strike="noStrike" kern="1200" cap="none" spc="0" normalizeH="0" baseline="0" mc:Ignorable="hp" hp:hslEmbossed="0">
+              <a:solidFill>
+                <a:srgbClr val="000099"/>
+              </a:solidFill>
+              <a:latin typeface="맑은 고딕"/>
+              <a:ea typeface="맑은 고딕"/>
+              <a:cs typeface="Arial Unicode MS"/>
+            </a:endParaRPr>
+          </a:p>
+        </p:txBody>
+      </p:sp>
+      <p:sp>
+        <p:nvSpPr>
+          <p:cNvPr id="227" name=""/>
+          <p:cNvSpPr txBox="1"/>
+          <p:nvPr/>
+        </p:nvSpPr>
+        <p:spPr>
+          <a:xfrm>
+            <a:off x="6835622" y="2047284"/>
+            <a:ext cx="741653" cy="332061"/>
+          </a:xfrm>
+          <a:prstGeom prst="rect">
+            <a:avLst/>
+          </a:prstGeom>
+          <a:noFill/>
+        </p:spPr>
+        <p:txBody>
+          <a:bodyPr wrap="square">
+            <a:spAutoFit/>
+          </a:bodyPr>
+          <a:p>
+            <a:pPr marL="0" indent="0" algn="ctr" defTabSz="914400" rtl="0" eaLnBrk="1" latinLnBrk="1" hangingPunct="1">
+              <a:lnSpc>
+                <a:spcPct val="100000"/>
+              </a:lnSpc>
+              <a:spcBef>
+                <a:spcPct val="0"/>
+              </a:spcBef>
+              <a:spcAft>
+                <a:spcPts val="0"/>
+              </a:spcAft>
+              <a:buNone/>
+              <a:defRPr/>
+            </a:pPr>
+            <a:r>
+              <a:rPr xmlns:mc="http://schemas.openxmlformats.org/markup-compatibility/2006" xmlns:hp="http://schemas.haansoft.com/office/presentation/8.0" kumimoji="0" lang="en-US" altLang="ko-KR" sz="1600" b="1" i="0" u="none" strike="noStrike" kern="1200" cap="none" spc="0" normalizeH="0" baseline="0" mc:Ignorable="hp" hp:hslEmbossed="0">
+                <a:solidFill>
+                  <a:srgbClr val="000000"/>
+                </a:solidFill>
+                <a:latin typeface="맑은 고딕"/>
+                <a:ea typeface="맑은 고딕"/>
+              </a:rPr>
+              <a:t>Vent</a:t>
+            </a:r>
+            <a:endParaRPr xmlns:mc="http://schemas.openxmlformats.org/markup-compatibility/2006" xmlns:hp="http://schemas.haansoft.com/office/presentation/8.0" kumimoji="0" lang="en-US" altLang="ko-KR" sz="1600" b="1" i="0" u="none" strike="noStrike" kern="1200" cap="none" spc="0" normalizeH="0" baseline="0" mc:Ignorable="hp" hp:hslEmbossed="0">
+              <a:solidFill>
+                <a:srgbClr val="000000"/>
+              </a:solidFill>
+              <a:latin typeface="맑은 고딕"/>
+              <a:ea typeface="맑은 고딕"/>
+            </a:endParaRPr>
+          </a:p>
+        </p:txBody>
+      </p:sp>
+      <p:sp>
+        <p:nvSpPr>
+          <p:cNvPr id="228" name=""/>
+          <p:cNvSpPr txBox="1"/>
+          <p:nvPr/>
+        </p:nvSpPr>
+        <p:spPr>
+          <a:xfrm>
+            <a:off x="608113" y="2020846"/>
+            <a:ext cx="924324" cy="329924"/>
+          </a:xfrm>
+          <a:prstGeom prst="rect">
+            <a:avLst/>
+          </a:prstGeom>
+          <a:noFill/>
+        </p:spPr>
+        <p:txBody>
+          <a:bodyPr wrap="square">
+            <a:spAutoFit/>
+          </a:bodyPr>
+          <a:p>
+            <a:pPr marL="0" indent="0" algn="ctr" defTabSz="914400" rtl="0" eaLnBrk="1" latinLnBrk="1" hangingPunct="1">
+              <a:lnSpc>
+                <a:spcPct val="100000"/>
+              </a:lnSpc>
+              <a:spcBef>
+                <a:spcPct val="0"/>
+              </a:spcBef>
+              <a:spcAft>
+                <a:spcPts val="0"/>
+              </a:spcAft>
+              <a:buNone/>
+              <a:defRPr/>
+            </a:pPr>
+            <a:r>
+              <a:rPr xmlns:mc="http://schemas.openxmlformats.org/markup-compatibility/2006" xmlns:hp="http://schemas.haansoft.com/office/presentation/8.0" kumimoji="0" lang="en-US" altLang="ko-KR" sz="1600" b="1" i="0" u="none" strike="noStrike" kern="1200" cap="none" spc="0" normalizeH="0" baseline="0" mc:Ignorable="hp" hp:hslEmbossed="0">
+                <a:solidFill>
+                  <a:srgbClr val="000000"/>
+                </a:solidFill>
+                <a:latin typeface="맑은 고딕"/>
+                <a:ea typeface="맑은 고딕"/>
+              </a:rPr>
+              <a:t>Pump</a:t>
+            </a:r>
+            <a:endParaRPr xmlns:mc="http://schemas.openxmlformats.org/markup-compatibility/2006" xmlns:hp="http://schemas.haansoft.com/office/presentation/8.0" kumimoji="0" lang="en-US" altLang="ko-KR" sz="1600" b="1" i="0" u="none" strike="noStrike" kern="1200" cap="none" spc="0" normalizeH="0" baseline="0" mc:Ignorable="hp" hp:hslEmbossed="0">
+              <a:solidFill>
+                <a:srgbClr val="000000"/>
+              </a:solidFill>
+              <a:latin typeface="맑은 고딕"/>
+              <a:ea typeface="맑은 고딕"/>
+            </a:endParaRPr>
+          </a:p>
+        </p:txBody>
+      </p:sp>
+      <p:sp>
+        <p:nvSpPr>
+          <p:cNvPr id="229" name=""/>
+          <p:cNvSpPr/>
+          <p:nvPr/>
+        </p:nvSpPr>
+        <p:spPr>
+          <a:xfrm>
+            <a:off x="1489586" y="2002998"/>
+            <a:ext cx="4934161" cy="376347"/>
+          </a:xfrm>
+          <a:prstGeom prst="rect">
+            <a:avLst/>
+          </a:prstGeom>
+          <a:noFill/>
+          <a:ln w="25400">
+            <a:solidFill>
+              <a:srgbClr val="000000">
+                <a:alpha val="100000"/>
+              </a:srgbClr>
+            </a:solidFill>
+            <a:miter/>
+          </a:ln>
+        </p:spPr>
+        <p:txBody>
+          <a:bodyPr anchor="ctr"/>
+          <a:p>
+            <a:pPr marL="0" indent="0" algn="l" defTabSz="914400" rtl="0" eaLnBrk="1" latinLnBrk="1" hangingPunct="1">
+              <a:lnSpc>
+                <a:spcPct val="150000"/>
+              </a:lnSpc>
+              <a:spcBef>
+                <a:spcPct val="0"/>
+              </a:spcBef>
+              <a:spcAft>
+                <a:spcPts val="0"/>
+              </a:spcAft>
+              <a:buFontTx/>
+              <a:buNone/>
+              <a:defRPr/>
+            </a:pPr>
+            <a:endParaRPr xmlns:mc="http://schemas.openxmlformats.org/markup-compatibility/2006" xmlns:hp="http://schemas.haansoft.com/office/presentation/8.0" kumimoji="0" sz="1800" b="0" i="0" u="none" strike="noStrike" kern="1200" cap="none" spc="0" normalizeH="0" baseline="0" mc:Ignorable="hp" hp:hslEmbossed="0">
+              <a:solidFill>
+                <a:srgbClr val="000099"/>
+              </a:solidFill>
+              <a:latin typeface="맑은 고딕"/>
+              <a:ea typeface="맑은 고딕"/>
+              <a:cs typeface="Arial Unicode MS"/>
+            </a:endParaRPr>
+          </a:p>
+        </p:txBody>
+      </p:sp>
     </p:spTree>
   </p:cSld>
   <p:clrMapOvr>
@@ -3317,7 +5818,7 @@
       </p:grpSpPr>
       <p:pic>
         <p:nvPicPr>
-          <p:cNvPr id="5" name="그림 14"/>
+          <p:cNvPr id="6" name="그림 2"/>
           <p:cNvPicPr>
             <a:picLocks noChangeAspect="1"/>
           </p:cNvPicPr>
@@ -3331,14 +5832,406 @@
         </p:blipFill>
         <p:spPr>
           <a:xfrm>
-            <a:off x="2092000" y="544292"/>
-            <a:ext cx="8008000" cy="5769415"/>
+            <a:off x="6497445" y="2456346"/>
+            <a:ext cx="2297321" cy="3599742"/>
+          </a:xfrm>
+          <a:prstGeom prst="snip2DiagRect">
+            <a:avLst>
+              <a:gd name="adj1" fmla="val 0"/>
+              <a:gd name="adj2" fmla="val 16667"/>
+            </a:avLst>
+          </a:prstGeom>
+          <a:solidFill>
+            <a:srgbClr val="ffffff">
+              <a:shade val="85000"/>
+            </a:srgbClr>
+          </a:solidFill>
+          <a:ln w="88900" cap="sq">
+            <a:solidFill>
+              <a:srgbClr val="ffffff"/>
+            </a:solidFill>
+            <a:miter/>
+          </a:ln>
+          <a:effectLst>
+            <a:outerShdw blurRad="88900" algn="tl" rotWithShape="0">
+              <a:srgbClr val="000000">
+                <a:alpha val="45000"/>
+              </a:srgbClr>
+            </a:outerShdw>
+          </a:effectLst>
+          <a:scene3d>
+            <a:camera prst="orthographicFront"/>
+            <a:lightRig rig="twoPt" dir="t">
+              <a:rot lat="0" lon="0" rev="7200000"/>
+            </a:lightRig>
+          </a:scene3d>
+          <a:sp3d>
+            <a:bevelT w="25400" h="19050"/>
+            <a:contourClr>
+              <a:srgbClr val="ffffff"/>
+            </a:contourClr>
+          </a:sp3d>
+        </p:spPr>
+      </p:pic>
+      <p:pic>
+        <p:nvPicPr>
+          <p:cNvPr id="7" name="그림 4"/>
+          <p:cNvPicPr>
+            <a:picLocks noChangeAspect="1"/>
+          </p:cNvPicPr>
+          <p:nvPr/>
+        </p:nvPicPr>
+        <p:blipFill rotWithShape="1">
+          <a:blip r:embed="rId3"/>
+          <a:stretch>
+            <a:fillRect/>
+          </a:stretch>
+        </p:blipFill>
+        <p:spPr>
+          <a:xfrm>
+            <a:off x="9187227" y="2456346"/>
+            <a:ext cx="2297320" cy="3599741"/>
+          </a:xfrm>
+          <a:prstGeom prst="snip2DiagRect">
+            <a:avLst>
+              <a:gd name="adj1" fmla="val 0"/>
+              <a:gd name="adj2" fmla="val 16667"/>
+            </a:avLst>
+          </a:prstGeom>
+          <a:solidFill>
+            <a:srgbClr val="ffffff">
+              <a:shade val="85000"/>
+            </a:srgbClr>
+          </a:solidFill>
+          <a:ln w="88900" cap="sq">
+            <a:solidFill>
+              <a:srgbClr val="ffffff"/>
+            </a:solidFill>
+            <a:miter/>
+          </a:ln>
+          <a:effectLst>
+            <a:outerShdw blurRad="88900" algn="tl" rotWithShape="0">
+              <a:srgbClr val="000000">
+                <a:alpha val="45000"/>
+              </a:srgbClr>
+            </a:outerShdw>
+          </a:effectLst>
+          <a:scene3d>
+            <a:camera prst="orthographicFront"/>
+            <a:lightRig rig="twoPt" dir="t">
+              <a:rot lat="0" lon="0" rev="7200000"/>
+            </a:lightRig>
+          </a:scene3d>
+          <a:sp3d>
+            <a:bevelT w="25400" h="19050"/>
+            <a:contourClr>
+              <a:srgbClr val="ffffff"/>
+            </a:contourClr>
+          </a:sp3d>
+        </p:spPr>
+      </p:pic>
+      <p:pic>
+        <p:nvPicPr>
+          <p:cNvPr id="8" name="그림 6"/>
+          <p:cNvPicPr>
+            <a:picLocks noChangeAspect="1"/>
+          </p:cNvPicPr>
+          <p:nvPr/>
+        </p:nvPicPr>
+        <p:blipFill rotWithShape="1">
+          <a:blip r:embed="rId4"/>
+          <a:stretch>
+            <a:fillRect/>
+          </a:stretch>
+        </p:blipFill>
+        <p:spPr>
+          <a:xfrm>
+            <a:off x="6613317" y="600139"/>
+            <a:ext cx="2641600" cy="1185475"/>
           </a:xfrm>
           <a:prstGeom prst="rect">
             <a:avLst/>
           </a:prstGeom>
         </p:spPr>
       </p:pic>
+      <p:sp>
+        <p:nvSpPr>
+          <p:cNvPr id="9" name="TextBox 7"/>
+          <p:cNvSpPr txBox="1"/>
+          <p:nvPr/>
+        </p:nvSpPr>
+        <p:spPr>
+          <a:xfrm>
+            <a:off x="6537900" y="1951703"/>
+            <a:ext cx="1557186" cy="338554"/>
+          </a:xfrm>
+          <a:prstGeom prst="rect">
+            <a:avLst/>
+          </a:prstGeom>
+          <a:noFill/>
+        </p:spPr>
+        <p:txBody>
+          <a:bodyPr wrap="square">
+            <a:spAutoFit/>
+          </a:bodyPr>
+          <a:lstStyle/>
+          <a:p>
+            <a:pPr lvl="0">
+              <a:defRPr/>
+            </a:pPr>
+            <a:r>
+              <a:rPr lang="en-US" altLang="ko-KR" sz="1600" b="1">
+                <a:latin typeface="Amasis MT Pro Black"/>
+              </a:rPr>
+              <a:t>[ Load Port</a:t>
+            </a:r>
+            <a:r>
+              <a:rPr lang="ko-KR" altLang="en-US" sz="1600" b="1">
+                <a:latin typeface="Amasis MT Pro Black"/>
+              </a:rPr>
+              <a:t> </a:t>
+            </a:r>
+            <a:r>
+              <a:rPr lang="en-US" altLang="ko-KR" sz="1600" b="1">
+                <a:latin typeface="Amasis MT Pro Black"/>
+              </a:rPr>
+              <a:t>]</a:t>
+            </a:r>
+            <a:endParaRPr lang="ko-KR" altLang="en-US" sz="1600" b="1">
+              <a:latin typeface="Amasis MT Pro Black"/>
+            </a:endParaRPr>
+          </a:p>
+        </p:txBody>
+      </p:sp>
+      <p:sp>
+        <p:nvSpPr>
+          <p:cNvPr id="10" name="TextBox 8"/>
+          <p:cNvSpPr txBox="1"/>
+          <p:nvPr/>
+        </p:nvSpPr>
+        <p:spPr>
+          <a:xfrm>
+            <a:off x="9236063" y="1951703"/>
+            <a:ext cx="1557186" cy="338554"/>
+          </a:xfrm>
+          <a:prstGeom prst="rect">
+            <a:avLst/>
+          </a:prstGeom>
+          <a:noFill/>
+        </p:spPr>
+        <p:txBody>
+          <a:bodyPr wrap="square">
+            <a:spAutoFit/>
+          </a:bodyPr>
+          <a:lstStyle/>
+          <a:p>
+            <a:pPr lvl="0">
+              <a:defRPr/>
+            </a:pPr>
+            <a:r>
+              <a:rPr lang="en-US" altLang="ko-KR" sz="1600" b="1">
+                <a:latin typeface="Amasis MT Pro Black"/>
+              </a:rPr>
+              <a:t>[ Load Lock</a:t>
+            </a:r>
+            <a:r>
+              <a:rPr lang="ko-KR" altLang="en-US" sz="1600" b="1">
+                <a:latin typeface="Amasis MT Pro Black"/>
+              </a:rPr>
+              <a:t> </a:t>
+            </a:r>
+            <a:r>
+              <a:rPr lang="en-US" altLang="ko-KR" sz="1600" b="1">
+                <a:latin typeface="Amasis MT Pro Black"/>
+              </a:rPr>
+              <a:t>]</a:t>
+            </a:r>
+            <a:endParaRPr lang="ko-KR" altLang="en-US" sz="1600" b="1">
+              <a:latin typeface="Amasis MT Pro Black"/>
+            </a:endParaRPr>
+          </a:p>
+        </p:txBody>
+      </p:sp>
+      <p:pic>
+        <p:nvPicPr>
+          <p:cNvPr id="13" name="그림 14"/>
+          <p:cNvPicPr>
+            <a:picLocks noChangeAspect="1"/>
+          </p:cNvPicPr>
+          <p:nvPr/>
+        </p:nvPicPr>
+        <p:blipFill rotWithShape="1">
+          <a:blip r:embed="rId5"/>
+          <a:stretch>
+            <a:fillRect/>
+          </a:stretch>
+        </p:blipFill>
+        <p:spPr>
+          <a:xfrm>
+            <a:off x="182566" y="1132052"/>
+            <a:ext cx="5616125" cy="4593896"/>
+          </a:xfrm>
+          <a:prstGeom prst="rect">
+            <a:avLst/>
+          </a:prstGeom>
+        </p:spPr>
+      </p:pic>
+      <p:sp>
+        <p:nvSpPr>
+          <p:cNvPr id="14" name="직사각형 9"/>
+          <p:cNvSpPr/>
+          <p:nvPr/>
+        </p:nvSpPr>
+        <p:spPr>
+          <a:xfrm>
+            <a:off x="267578" y="1661198"/>
+            <a:ext cx="1361525" cy="2320951"/>
+          </a:xfrm>
+          <a:prstGeom prst="rect">
+            <a:avLst/>
+          </a:prstGeom>
+          <a:noFill/>
+          <a:ln w="38100">
+            <a:solidFill>
+              <a:srgbClr val="ff0000">
+                <a:alpha val="100000"/>
+              </a:srgbClr>
+            </a:solidFill>
+            <a:miter/>
+          </a:ln>
+        </p:spPr>
+        <p:txBody>
+          <a:bodyPr anchor="ctr"/>
+          <a:p>
+            <a:pPr marL="0" indent="0" algn="l" defTabSz="457200" rtl="0" eaLnBrk="1" latinLnBrk="0" hangingPunct="1">
+              <a:lnSpc>
+                <a:spcPct val="150000"/>
+              </a:lnSpc>
+              <a:spcBef>
+                <a:spcPct val="0"/>
+              </a:spcBef>
+              <a:spcAft>
+                <a:spcPts val="0"/>
+              </a:spcAft>
+              <a:buFontTx/>
+              <a:buNone/>
+              <a:defRPr/>
+            </a:pPr>
+            <a:endParaRPr xmlns:mc="http://schemas.openxmlformats.org/markup-compatibility/2006" xmlns:hp="http://schemas.haansoft.com/office/presentation/8.0" kumimoji="0" lang="ko-KR" altLang="en-US" sz="1800" b="0" i="0" u="none" strike="noStrike" kern="1200" cap="none" spc="0" normalizeH="0" baseline="0" mc:Ignorable="hp" hp:hslEmbossed="0">
+              <a:solidFill>
+                <a:srgbClr val="000099"/>
+              </a:solidFill>
+              <a:latin typeface="Calibri"/>
+              <a:ea typeface="맑은 고딕"/>
+              <a:cs typeface="Arial Unicode MS"/>
+            </a:endParaRPr>
+          </a:p>
+        </p:txBody>
+      </p:sp>
+      <p:sp>
+        <p:nvSpPr>
+          <p:cNvPr id="15" name="직사각형 9"/>
+          <p:cNvSpPr/>
+          <p:nvPr/>
+        </p:nvSpPr>
+        <p:spPr>
+          <a:xfrm>
+            <a:off x="4378413" y="1661198"/>
+            <a:ext cx="1321259" cy="2437767"/>
+          </a:xfrm>
+          <a:prstGeom prst="rect">
+            <a:avLst/>
+          </a:prstGeom>
+          <a:noFill/>
+          <a:ln w="38100">
+            <a:solidFill>
+              <a:srgbClr val="ff0000">
+                <a:alpha val="100000"/>
+              </a:srgbClr>
+            </a:solidFill>
+            <a:miter/>
+          </a:ln>
+        </p:spPr>
+        <p:txBody>
+          <a:bodyPr anchor="ctr"/>
+          <a:p>
+            <a:pPr marL="0" indent="0" algn="l" defTabSz="457200" rtl="0" eaLnBrk="1" latinLnBrk="0" hangingPunct="1">
+              <a:lnSpc>
+                <a:spcPct val="150000"/>
+              </a:lnSpc>
+              <a:spcBef>
+                <a:spcPct val="0"/>
+              </a:spcBef>
+              <a:spcAft>
+                <a:spcPts val="0"/>
+              </a:spcAft>
+              <a:buFontTx/>
+              <a:buNone/>
+              <a:defRPr/>
+            </a:pPr>
+            <a:endParaRPr xmlns:mc="http://schemas.openxmlformats.org/markup-compatibility/2006" xmlns:hp="http://schemas.haansoft.com/office/presentation/8.0" kumimoji="0" lang="ko-KR" altLang="en-US" sz="1800" b="0" i="0" u="none" strike="noStrike" kern="1200" cap="none" spc="0" normalizeH="0" baseline="0" mc:Ignorable="hp" hp:hslEmbossed="0">
+              <a:solidFill>
+                <a:srgbClr val="000099"/>
+              </a:solidFill>
+              <a:latin typeface="Calibri"/>
+              <a:ea typeface="맑은 고딕"/>
+              <a:cs typeface="Arial Unicode MS"/>
+            </a:endParaRPr>
+          </a:p>
+        </p:txBody>
+      </p:sp>
+      <p:sp>
+        <p:nvSpPr>
+          <p:cNvPr id="16" name="직사각형 9"/>
+          <p:cNvSpPr/>
+          <p:nvPr/>
+        </p:nvSpPr>
+        <p:spPr>
+          <a:xfrm>
+            <a:off x="267578" y="3982149"/>
+            <a:ext cx="1361525" cy="548642"/>
+          </a:xfrm>
+          <a:prstGeom prst="rect">
+            <a:avLst/>
+          </a:prstGeom>
+          <a:noFill/>
+          <a:ln w="38100">
+            <a:solidFill>
+              <a:srgbClr val="ff0000">
+                <a:alpha val="100000"/>
+              </a:srgbClr>
+            </a:solidFill>
+            <a:miter/>
+          </a:ln>
+        </p:spPr>
+        <p:txBody>
+          <a:bodyPr anchor="ctr"/>
+          <a:p>
+            <a:pPr marL="0" indent="0" algn="l" defTabSz="457200" rtl="0" eaLnBrk="1" latinLnBrk="0" hangingPunct="1">
+              <a:lnSpc>
+                <a:spcPct val="150000"/>
+              </a:lnSpc>
+              <a:spcBef>
+                <a:spcPct val="0"/>
+              </a:spcBef>
+              <a:spcAft>
+                <a:spcPts val="0"/>
+              </a:spcAft>
+              <a:buFontTx/>
+              <a:buNone/>
+              <a:defRPr/>
+            </a:pPr>
+            <a:endParaRPr xmlns:mc="http://schemas.openxmlformats.org/markup-compatibility/2006" xmlns:hp="http://schemas.haansoft.com/office/presentation/8.0" kumimoji="0" lang="ko-KR" altLang="en-US" sz="1800" b="0" i="0" u="none" strike="noStrike" kern="1200" cap="none" spc="0" normalizeH="0" baseline="0" mc:Ignorable="hp" hp:hslEmbossed="0">
+              <a:solidFill>
+                <a:srgbClr val="000099"/>
+              </a:solidFill>
+              <a:latin typeface="Calibri"/>
+              <a:ea typeface="맑은 고딕"/>
+              <a:cs typeface="Arial Unicode MS"/>
+            </a:endParaRPr>
+          </a:p>
+        </p:txBody>
+      </p:sp>
     </p:spTree>
   </p:cSld>
   <p:clrMapOvr>
@@ -3374,7 +6267,7 @@
       </p:grpSpPr>
       <p:pic>
         <p:nvPicPr>
-          <p:cNvPr id="6" name="그림 3"/>
+          <p:cNvPr id="6" name="그림 14"/>
           <p:cNvPicPr>
             <a:picLocks noChangeAspect="1"/>
           </p:cNvPicPr>
@@ -3388,8 +6281,77 @@
         </p:blipFill>
         <p:spPr>
           <a:xfrm>
-            <a:off x="3725520" y="374647"/>
-            <a:ext cx="4740959" cy="6108706"/>
+            <a:off x="191552" y="880048"/>
+            <a:ext cx="5616125" cy="4593896"/>
+          </a:xfrm>
+          <a:prstGeom prst="rect">
+            <a:avLst/>
+          </a:prstGeom>
+        </p:spPr>
+      </p:pic>
+      <p:sp>
+        <p:nvSpPr>
+          <p:cNvPr id="7" name="직사각형 9"/>
+          <p:cNvSpPr/>
+          <p:nvPr/>
+        </p:nvSpPr>
+        <p:spPr>
+          <a:xfrm>
+            <a:off x="1638089" y="1481081"/>
+            <a:ext cx="2723050" cy="2770243"/>
+          </a:xfrm>
+          <a:prstGeom prst="rect">
+            <a:avLst/>
+          </a:prstGeom>
+          <a:noFill/>
+          <a:ln w="38100">
+            <a:solidFill>
+              <a:srgbClr val="ff0000"/>
+            </a:solidFill>
+            <a:miter/>
+          </a:ln>
+        </p:spPr>
+        <p:txBody>
+          <a:bodyPr anchor="ctr"/>
+          <a:lstStyle/>
+          <a:p>
+            <a:pPr algn="l">
+              <a:lnSpc>
+                <a:spcPct val="150000"/>
+              </a:lnSpc>
+              <a:buFontTx/>
+              <a:buNone/>
+              <a:defRPr/>
+            </a:pPr>
+            <a:endParaRPr lang="ko-KR" altLang="en-US">
+              <a:solidFill>
+                <a:srgbClr val="000099"/>
+              </a:solidFill>
+              <a:latin typeface="+mn-ea"/>
+              <a:ea typeface="+mn-ea"/>
+              <a:cs typeface="Arial Unicode MS"/>
+            </a:endParaRPr>
+          </a:p>
+        </p:txBody>
+      </p:sp>
+      <p:pic>
+        <p:nvPicPr>
+          <p:cNvPr id="10" name="그림 2"/>
+          <p:cNvPicPr>
+            <a:picLocks noChangeAspect="1"/>
+          </p:cNvPicPr>
+          <p:nvPr/>
+        </p:nvPicPr>
+        <p:blipFill rotWithShape="1">
+          <a:blip r:embed="rId3"/>
+          <a:stretch>
+            <a:fillRect/>
+          </a:stretch>
+        </p:blipFill>
+        <p:spPr>
+          <a:xfrm>
+            <a:off x="6205082" y="894996"/>
+            <a:ext cx="5872097" cy="5068007"/>
           </a:xfrm>
           <a:prstGeom prst="rect">
             <a:avLst/>
@@ -3429,6 +6391,715 @@
           <a:chExt cx="0" cy="0"/>
         </a:xfrm>
       </p:grpSpPr>
+      <p:pic>
+        <p:nvPicPr>
+          <p:cNvPr id="4" name="그림 3"/>
+          <p:cNvPicPr>
+            <a:picLocks noChangeAspect="1"/>
+          </p:cNvPicPr>
+          <p:nvPr/>
+        </p:nvPicPr>
+        <p:blipFill rotWithShape="1">
+          <a:blip r:embed="rId3"/>
+          <a:stretch>
+            <a:fillRect/>
+          </a:stretch>
+        </p:blipFill>
+        <p:spPr>
+          <a:xfrm>
+            <a:off x="6058676" y="671265"/>
+            <a:ext cx="5014817" cy="5942333"/>
+          </a:xfrm>
+          <a:prstGeom prst="rect">
+            <a:avLst/>
+          </a:prstGeom>
+        </p:spPr>
+      </p:pic>
+      <p:sp>
+        <p:nvSpPr>
+          <p:cNvPr id="18" name="슬라이드 번호 개체 틀 5"/>
+          <p:cNvSpPr>
+            <a:spLocks noGrp="1"/>
+          </p:cNvSpPr>
+          <p:nvPr>
+            <p:ph type="sldNum" sz="quarter" idx="12"/>
+          </p:nvPr>
+        </p:nvSpPr>
+        <p:spPr/>
+        <p:txBody>
+          <a:bodyPr/>
+          <a:lstStyle/>
+          <a:p>
+            <a:pPr lvl="0">
+              <a:defRPr/>
+            </a:pPr>
+            <a:fld id="{AD22CD3B-FDDF-4998-970C-76E6E0BEC65F}" type="slidenum">
+              <a:rPr lang="en-US" altLang="en-US"/>
+              <a:pPr lvl="0">
+                <a:defRPr/>
+              </a:pPr>
+              <a:t>6</a:t>
+            </a:fld>
+            <a:endParaRPr lang="en-US" altLang="en-US"/>
+          </a:p>
+        </p:txBody>
+      </p:sp>
+      <p:grpSp>
+        <p:nvGrpSpPr>
+          <p:cNvPr id="24" name="그룹 23"/>
+          <p:cNvGrpSpPr/>
+          <p:nvPr/>
+        </p:nvGrpSpPr>
+        <p:grpSpPr>
+          <a:xfrm rot="0">
+            <a:off x="5914053" y="975602"/>
+            <a:ext cx="363894" cy="400110"/>
+            <a:chOff x="5914053" y="975602"/>
+            <a:chExt cx="363894" cy="400110"/>
+          </a:xfrm>
+        </p:grpSpPr>
+        <p:sp>
+          <p:nvSpPr>
+            <p:cNvPr id="2" name="타원 1"/>
+            <p:cNvSpPr/>
+            <p:nvPr/>
+          </p:nvSpPr>
+          <p:spPr>
+            <a:xfrm>
+              <a:off x="5914053" y="1010587"/>
+              <a:ext cx="363894" cy="365125"/>
+            </a:xfrm>
+            <a:prstGeom prst="ellipse">
+              <a:avLst/>
+            </a:prstGeom>
+            <a:noFill/>
+            <a:ln w="38100">
+              <a:solidFill>
+                <a:srgbClr val="c00000"/>
+              </a:solidFill>
+              <a:miter/>
+            </a:ln>
+          </p:spPr>
+          <p:txBody>
+            <a:bodyPr anchor="ctr"/>
+            <a:lstStyle/>
+            <a:p>
+              <a:pPr algn="l">
+                <a:lnSpc>
+                  <a:spcPct val="150000"/>
+                </a:lnSpc>
+                <a:buFontTx/>
+                <a:buNone/>
+                <a:defRPr/>
+              </a:pPr>
+              <a:endParaRPr lang="ko-KR" altLang="en-US">
+                <a:solidFill>
+                  <a:srgbClr val="000099"/>
+                </a:solidFill>
+                <a:latin typeface="+mn-ea"/>
+                <a:ea typeface="+mn-ea"/>
+                <a:cs typeface="Arial Unicode MS"/>
+              </a:endParaRPr>
+            </a:p>
+          </p:txBody>
+        </p:sp>
+        <p:sp>
+          <p:nvSpPr>
+            <p:cNvPr id="3" name="TextBox 2"/>
+            <p:cNvSpPr txBox="1"/>
+            <p:nvPr/>
+          </p:nvSpPr>
+          <p:spPr>
+            <a:xfrm>
+              <a:off x="5971672" y="975602"/>
+              <a:ext cx="248656" cy="400110"/>
+            </a:xfrm>
+            <a:prstGeom prst="rect">
+              <a:avLst/>
+            </a:prstGeom>
+            <a:noFill/>
+          </p:spPr>
+          <p:txBody>
+            <a:bodyPr wrap="square">
+              <a:spAutoFit/>
+            </a:bodyPr>
+            <a:lstStyle/>
+            <a:p>
+              <a:pPr algn="ctr">
+                <a:defRPr/>
+              </a:pPr>
+              <a:r>
+                <a:rPr lang="en-US" altLang="ko-KR" sz="2000" b="1">
+                  <a:latin typeface="Amasis MT Pro Black"/>
+                </a:rPr>
+                <a:t>1</a:t>
+              </a:r>
+              <a:endParaRPr lang="ko-KR" altLang="en-US" sz="2000" b="1">
+                <a:latin typeface="Amasis MT Pro Black"/>
+              </a:endParaRPr>
+            </a:p>
+          </p:txBody>
+        </p:sp>
+      </p:grpSp>
+      <p:grpSp>
+        <p:nvGrpSpPr>
+          <p:cNvPr id="25" name="그룹 24"/>
+          <p:cNvGrpSpPr/>
+          <p:nvPr/>
+        </p:nvGrpSpPr>
+        <p:grpSpPr>
+          <a:xfrm rot="0">
+            <a:off x="5914053" y="2033070"/>
+            <a:ext cx="363894" cy="400110"/>
+            <a:chOff x="5914053" y="2033070"/>
+            <a:chExt cx="363894" cy="400110"/>
+          </a:xfrm>
+        </p:grpSpPr>
+        <p:sp>
+          <p:nvSpPr>
+            <p:cNvPr id="7" name="타원 6"/>
+            <p:cNvSpPr/>
+            <p:nvPr/>
+          </p:nvSpPr>
+          <p:spPr>
+            <a:xfrm>
+              <a:off x="5914053" y="2068055"/>
+              <a:ext cx="363894" cy="365125"/>
+            </a:xfrm>
+            <a:prstGeom prst="ellipse">
+              <a:avLst/>
+            </a:prstGeom>
+            <a:noFill/>
+            <a:ln w="38100">
+              <a:solidFill>
+                <a:srgbClr val="c00000"/>
+              </a:solidFill>
+              <a:miter/>
+            </a:ln>
+          </p:spPr>
+          <p:txBody>
+            <a:bodyPr anchor="ctr"/>
+            <a:lstStyle/>
+            <a:p>
+              <a:pPr algn="l">
+                <a:lnSpc>
+                  <a:spcPct val="150000"/>
+                </a:lnSpc>
+                <a:buFontTx/>
+                <a:buNone/>
+                <a:defRPr/>
+              </a:pPr>
+              <a:endParaRPr lang="ko-KR" altLang="en-US">
+                <a:solidFill>
+                  <a:srgbClr val="000099"/>
+                </a:solidFill>
+                <a:latin typeface="+mn-ea"/>
+                <a:ea typeface="+mn-ea"/>
+                <a:cs typeface="Arial Unicode MS"/>
+              </a:endParaRPr>
+            </a:p>
+          </p:txBody>
+        </p:sp>
+        <p:sp>
+          <p:nvSpPr>
+            <p:cNvPr id="8" name="TextBox 7"/>
+            <p:cNvSpPr txBox="1"/>
+            <p:nvPr/>
+          </p:nvSpPr>
+          <p:spPr>
+            <a:xfrm>
+              <a:off x="5971672" y="2033070"/>
+              <a:ext cx="248656" cy="400110"/>
+            </a:xfrm>
+            <a:prstGeom prst="rect">
+              <a:avLst/>
+            </a:prstGeom>
+            <a:noFill/>
+          </p:spPr>
+          <p:txBody>
+            <a:bodyPr wrap="square">
+              <a:spAutoFit/>
+            </a:bodyPr>
+            <a:lstStyle/>
+            <a:p>
+              <a:pPr algn="ctr">
+                <a:defRPr/>
+              </a:pPr>
+              <a:r>
+                <a:rPr lang="en-US" altLang="ko-KR" sz="2000" b="1">
+                  <a:latin typeface="Amasis MT Pro Black"/>
+                </a:rPr>
+                <a:t>2</a:t>
+              </a:r>
+              <a:endParaRPr lang="ko-KR" altLang="en-US" sz="2000" b="1">
+                <a:latin typeface="Amasis MT Pro Black"/>
+              </a:endParaRPr>
+            </a:p>
+          </p:txBody>
+        </p:sp>
+      </p:grpSp>
+      <p:grpSp>
+        <p:nvGrpSpPr>
+          <p:cNvPr id="26" name="그룹 25"/>
+          <p:cNvGrpSpPr/>
+          <p:nvPr/>
+        </p:nvGrpSpPr>
+        <p:grpSpPr>
+          <a:xfrm rot="0">
+            <a:off x="5910863" y="3347372"/>
+            <a:ext cx="363894" cy="400110"/>
+            <a:chOff x="5910863" y="3347372"/>
+            <a:chExt cx="363894" cy="400110"/>
+          </a:xfrm>
+        </p:grpSpPr>
+        <p:sp>
+          <p:nvSpPr>
+            <p:cNvPr id="11" name="타원 10"/>
+            <p:cNvSpPr/>
+            <p:nvPr/>
+          </p:nvSpPr>
+          <p:spPr>
+            <a:xfrm>
+              <a:off x="5910863" y="3382357"/>
+              <a:ext cx="363894" cy="365125"/>
+            </a:xfrm>
+            <a:prstGeom prst="ellipse">
+              <a:avLst/>
+            </a:prstGeom>
+            <a:noFill/>
+            <a:ln w="38100">
+              <a:solidFill>
+                <a:srgbClr val="c00000"/>
+              </a:solidFill>
+              <a:miter/>
+            </a:ln>
+          </p:spPr>
+          <p:txBody>
+            <a:bodyPr anchor="ctr"/>
+            <a:lstStyle/>
+            <a:p>
+              <a:pPr algn="l">
+                <a:lnSpc>
+                  <a:spcPct val="150000"/>
+                </a:lnSpc>
+                <a:buFontTx/>
+                <a:buNone/>
+                <a:defRPr/>
+              </a:pPr>
+              <a:endParaRPr lang="ko-KR" altLang="en-US">
+                <a:solidFill>
+                  <a:srgbClr val="000099"/>
+                </a:solidFill>
+                <a:latin typeface="+mn-ea"/>
+                <a:ea typeface="+mn-ea"/>
+                <a:cs typeface="Arial Unicode MS"/>
+              </a:endParaRPr>
+            </a:p>
+          </p:txBody>
+        </p:sp>
+        <p:sp>
+          <p:nvSpPr>
+            <p:cNvPr id="12" name="TextBox 11"/>
+            <p:cNvSpPr txBox="1"/>
+            <p:nvPr/>
+          </p:nvSpPr>
+          <p:spPr>
+            <a:xfrm>
+              <a:off x="5968482" y="3347372"/>
+              <a:ext cx="248656" cy="400110"/>
+            </a:xfrm>
+            <a:prstGeom prst="rect">
+              <a:avLst/>
+            </a:prstGeom>
+            <a:noFill/>
+          </p:spPr>
+          <p:txBody>
+            <a:bodyPr wrap="square">
+              <a:spAutoFit/>
+            </a:bodyPr>
+            <a:lstStyle/>
+            <a:p>
+              <a:pPr algn="ctr">
+                <a:defRPr/>
+              </a:pPr>
+              <a:r>
+                <a:rPr lang="en-US" altLang="ko-KR" sz="2000" b="1">
+                  <a:latin typeface="Amasis MT Pro Black"/>
+                </a:rPr>
+                <a:t>3</a:t>
+              </a:r>
+              <a:endParaRPr lang="ko-KR" altLang="en-US" sz="2000" b="1">
+                <a:latin typeface="Amasis MT Pro Black"/>
+              </a:endParaRPr>
+            </a:p>
+          </p:txBody>
+        </p:sp>
+      </p:grpSp>
+      <p:grpSp>
+        <p:nvGrpSpPr>
+          <p:cNvPr id="27" name="그룹 26"/>
+          <p:cNvGrpSpPr/>
+          <p:nvPr/>
+        </p:nvGrpSpPr>
+        <p:grpSpPr>
+          <a:xfrm rot="0">
+            <a:off x="5914053" y="5200927"/>
+            <a:ext cx="363894" cy="400110"/>
+            <a:chOff x="5914053" y="5200927"/>
+            <a:chExt cx="363894" cy="400110"/>
+          </a:xfrm>
+        </p:grpSpPr>
+        <p:sp>
+          <p:nvSpPr>
+            <p:cNvPr id="14" name="타원 13"/>
+            <p:cNvSpPr/>
+            <p:nvPr/>
+          </p:nvSpPr>
+          <p:spPr>
+            <a:xfrm>
+              <a:off x="5914053" y="5235912"/>
+              <a:ext cx="363894" cy="365125"/>
+            </a:xfrm>
+            <a:prstGeom prst="ellipse">
+              <a:avLst/>
+            </a:prstGeom>
+            <a:noFill/>
+            <a:ln w="38100">
+              <a:solidFill>
+                <a:srgbClr val="c00000"/>
+              </a:solidFill>
+              <a:miter/>
+            </a:ln>
+          </p:spPr>
+          <p:txBody>
+            <a:bodyPr anchor="ctr"/>
+            <a:lstStyle/>
+            <a:p>
+              <a:pPr algn="l">
+                <a:lnSpc>
+                  <a:spcPct val="150000"/>
+                </a:lnSpc>
+                <a:buFontTx/>
+                <a:buNone/>
+                <a:defRPr/>
+              </a:pPr>
+              <a:endParaRPr lang="ko-KR" altLang="en-US">
+                <a:solidFill>
+                  <a:srgbClr val="000099"/>
+                </a:solidFill>
+                <a:latin typeface="+mn-ea"/>
+                <a:ea typeface="+mn-ea"/>
+                <a:cs typeface="Arial Unicode MS"/>
+              </a:endParaRPr>
+            </a:p>
+          </p:txBody>
+        </p:sp>
+        <p:sp>
+          <p:nvSpPr>
+            <p:cNvPr id="15" name="TextBox 14"/>
+            <p:cNvSpPr txBox="1"/>
+            <p:nvPr/>
+          </p:nvSpPr>
+          <p:spPr>
+            <a:xfrm>
+              <a:off x="5971672" y="5200927"/>
+              <a:ext cx="248656" cy="400110"/>
+            </a:xfrm>
+            <a:prstGeom prst="rect">
+              <a:avLst/>
+            </a:prstGeom>
+            <a:noFill/>
+          </p:spPr>
+          <p:txBody>
+            <a:bodyPr wrap="square">
+              <a:spAutoFit/>
+            </a:bodyPr>
+            <a:lstStyle/>
+            <a:p>
+              <a:pPr algn="ctr">
+                <a:defRPr/>
+              </a:pPr>
+              <a:r>
+                <a:rPr lang="en-US" altLang="ko-KR" sz="2000" b="1">
+                  <a:latin typeface="Amasis MT Pro Black"/>
+                </a:rPr>
+                <a:t>4</a:t>
+              </a:r>
+              <a:endParaRPr lang="ko-KR" altLang="en-US" sz="2000" b="1">
+                <a:latin typeface="Amasis MT Pro Black"/>
+              </a:endParaRPr>
+            </a:p>
+          </p:txBody>
+        </p:sp>
+      </p:grpSp>
+      <p:grpSp>
+        <p:nvGrpSpPr>
+          <p:cNvPr id="33" name="그룹 32"/>
+          <p:cNvGrpSpPr/>
+          <p:nvPr/>
+        </p:nvGrpSpPr>
+        <p:grpSpPr>
+          <a:xfrm rot="0">
+            <a:off x="740943" y="2185653"/>
+            <a:ext cx="3807161" cy="4427945"/>
+            <a:chOff x="754316" y="1992280"/>
+            <a:chExt cx="2542857" cy="4502141"/>
+          </a:xfrm>
+        </p:grpSpPr>
+        <p:pic>
+          <p:nvPicPr>
+            <p:cNvPr id="32" name="그림 31" descr="테이블이(가) 표시된 사진  자동 생성된 설명"/>
+            <p:cNvPicPr>
+              <a:picLocks noChangeAspect="1"/>
+            </p:cNvPicPr>
+            <p:nvPr/>
+          </p:nvPicPr>
+          <p:blipFill rotWithShape="1">
+            <a:blip r:embed="rId4"/>
+            <a:stretch>
+              <a:fillRect/>
+            </a:stretch>
+          </p:blipFill>
+          <p:spPr>
+            <a:xfrm>
+              <a:off x="811936" y="1992280"/>
+              <a:ext cx="2444318" cy="4502141"/>
+            </a:xfrm>
+            <a:prstGeom prst="rect">
+              <a:avLst/>
+            </a:prstGeom>
+          </p:spPr>
+        </p:pic>
+        <p:sp>
+          <p:nvSpPr>
+            <p:cNvPr id="16" name="직사각형 15"/>
+            <p:cNvSpPr/>
+            <p:nvPr/>
+          </p:nvSpPr>
+          <p:spPr>
+            <a:xfrm>
+              <a:off x="754316" y="1992280"/>
+              <a:ext cx="2542857" cy="4502141"/>
+            </a:xfrm>
+            <a:prstGeom prst="rect">
+              <a:avLst/>
+            </a:prstGeom>
+            <a:noFill/>
+            <a:ln w="57150">
+              <a:solidFill>
+                <a:srgbClr val="c00000"/>
+              </a:solidFill>
+              <a:miter/>
+            </a:ln>
+          </p:spPr>
+          <p:txBody>
+            <a:bodyPr anchor="ctr"/>
+            <a:lstStyle/>
+            <a:p>
+              <a:pPr algn="l">
+                <a:lnSpc>
+                  <a:spcPct val="150000"/>
+                </a:lnSpc>
+                <a:buFontTx/>
+                <a:buNone/>
+                <a:defRPr/>
+              </a:pPr>
+              <a:endParaRPr lang="ko-KR" altLang="en-US">
+                <a:solidFill>
+                  <a:srgbClr val="000099"/>
+                </a:solidFill>
+                <a:latin typeface="+mn-ea"/>
+                <a:ea typeface="+mn-ea"/>
+                <a:cs typeface="Arial Unicode MS"/>
+              </a:endParaRPr>
+            </a:p>
+          </p:txBody>
+        </p:sp>
+      </p:grpSp>
+      <p:grpSp>
+        <p:nvGrpSpPr>
+          <p:cNvPr id="34" name="그룹 33"/>
+          <p:cNvGrpSpPr/>
+          <p:nvPr/>
+        </p:nvGrpSpPr>
+        <p:grpSpPr>
+          <a:xfrm rot="0">
+            <a:off x="699487" y="671265"/>
+            <a:ext cx="3848618" cy="1345587"/>
+            <a:chOff x="298270" y="576519"/>
+            <a:chExt cx="3848618" cy="1345587"/>
+          </a:xfrm>
+        </p:grpSpPr>
+        <p:pic>
+          <p:nvPicPr>
+            <p:cNvPr id="30" name="그림 29" descr="텍스트이(가) 표시된 사진  자동 생성된 설명"/>
+            <p:cNvPicPr>
+              <a:picLocks noChangeAspect="1"/>
+            </p:cNvPicPr>
+            <p:nvPr/>
+          </p:nvPicPr>
+          <p:blipFill rotWithShape="1">
+            <a:blip r:embed="rId5"/>
+            <a:stretch>
+              <a:fillRect/>
+            </a:stretch>
+          </p:blipFill>
+          <p:spPr>
+            <a:xfrm>
+              <a:off x="298270" y="671265"/>
+              <a:ext cx="3791000" cy="1171736"/>
+            </a:xfrm>
+            <a:prstGeom prst="rect">
+              <a:avLst/>
+            </a:prstGeom>
+          </p:spPr>
+        </p:pic>
+        <p:sp>
+          <p:nvSpPr>
+            <p:cNvPr id="19" name="직사각형 18"/>
+            <p:cNvSpPr/>
+            <p:nvPr/>
+          </p:nvSpPr>
+          <p:spPr>
+            <a:xfrm>
+              <a:off x="305107" y="576519"/>
+              <a:ext cx="3841781" cy="1345587"/>
+            </a:xfrm>
+            <a:prstGeom prst="rect">
+              <a:avLst/>
+            </a:prstGeom>
+            <a:noFill/>
+            <a:ln w="57150">
+              <a:solidFill>
+                <a:srgbClr val="c00000"/>
+              </a:solidFill>
+              <a:miter/>
+            </a:ln>
+          </p:spPr>
+          <p:txBody>
+            <a:bodyPr anchor="ctr"/>
+            <a:lstStyle/>
+            <a:p>
+              <a:pPr algn="l">
+                <a:lnSpc>
+                  <a:spcPct val="150000"/>
+                </a:lnSpc>
+                <a:buFontTx/>
+                <a:buNone/>
+                <a:defRPr/>
+              </a:pPr>
+              <a:endParaRPr lang="ko-KR" altLang="en-US">
+                <a:solidFill>
+                  <a:srgbClr val="000099"/>
+                </a:solidFill>
+                <a:latin typeface="+mn-ea"/>
+                <a:ea typeface="+mn-ea"/>
+                <a:cs typeface="Arial Unicode MS"/>
+              </a:endParaRPr>
+            </a:p>
+          </p:txBody>
+        </p:sp>
+      </p:grpSp>
+      <p:sp>
+        <p:nvSpPr>
+          <p:cNvPr id="35" name="화살표: 오른쪽 34"/>
+          <p:cNvSpPr/>
+          <p:nvPr/>
+        </p:nvSpPr>
+        <p:spPr>
+          <a:xfrm>
+            <a:off x="4870788" y="4151810"/>
+            <a:ext cx="900112" cy="495631"/>
+          </a:xfrm>
+          <a:prstGeom prst="rightArrow">
+            <a:avLst>
+              <a:gd name="adj1" fmla="val 50000"/>
+              <a:gd name="adj2" fmla="val 50000"/>
+            </a:avLst>
+          </a:prstGeom>
+          <a:solidFill>
+            <a:srgbClr val="c00000"/>
+          </a:solidFill>
+          <a:ln w="12700">
+            <a:solidFill>
+              <a:schemeClr val="tx1"/>
+            </a:solidFill>
+            <a:miter/>
+          </a:ln>
+        </p:spPr>
+        <p:txBody>
+          <a:bodyPr anchor="ctr"/>
+          <a:lstStyle/>
+          <a:p>
+            <a:pPr algn="l">
+              <a:lnSpc>
+                <a:spcPct val="150000"/>
+              </a:lnSpc>
+              <a:buFontTx/>
+              <a:buNone/>
+              <a:defRPr/>
+            </a:pPr>
+            <a:endParaRPr lang="ko-KR" altLang="en-US">
+              <a:solidFill>
+                <a:srgbClr val="000099"/>
+              </a:solidFill>
+              <a:latin typeface="+mn-ea"/>
+              <a:ea typeface="+mn-ea"/>
+              <a:cs typeface="Arial Unicode MS"/>
+            </a:endParaRPr>
+          </a:p>
+        </p:txBody>
+      </p:sp>
+      <p:sp>
+        <p:nvSpPr>
+          <p:cNvPr id="36" name="화살표: 오른쪽 35"/>
+          <p:cNvSpPr/>
+          <p:nvPr/>
+        </p:nvSpPr>
+        <p:spPr>
+          <a:xfrm rot="1383126">
+            <a:off x="4870788" y="1485463"/>
+            <a:ext cx="900112" cy="495631"/>
+          </a:xfrm>
+          <a:prstGeom prst="rightArrow">
+            <a:avLst>
+              <a:gd name="adj1" fmla="val 50000"/>
+              <a:gd name="adj2" fmla="val 50000"/>
+            </a:avLst>
+          </a:prstGeom>
+          <a:solidFill>
+            <a:srgbClr val="c00000"/>
+          </a:solidFill>
+          <a:ln w="12700">
+            <a:solidFill>
+              <a:schemeClr val="tx1"/>
+            </a:solidFill>
+            <a:miter/>
+          </a:ln>
+        </p:spPr>
+        <p:txBody>
+          <a:bodyPr anchor="ctr"/>
+          <a:lstStyle/>
+          <a:p>
+            <a:pPr algn="l">
+              <a:lnSpc>
+                <a:spcPct val="150000"/>
+              </a:lnSpc>
+              <a:buFontTx/>
+              <a:buNone/>
+              <a:defRPr/>
+            </a:pPr>
+            <a:endParaRPr lang="ko-KR" altLang="en-US">
+              <a:solidFill>
+                <a:srgbClr val="000099"/>
+              </a:solidFill>
+              <a:latin typeface="+mn-ea"/>
+              <a:ea typeface="+mn-ea"/>
+              <a:cs typeface="Arial Unicode MS"/>
+            </a:endParaRPr>
+          </a:p>
+        </p:txBody>
+      </p:sp>
     </p:spTree>
   </p:cSld>
   <p:clrMapOvr>
@@ -3462,6 +7133,300 @@
           <a:chExt cx="0" cy="0"/>
         </a:xfrm>
       </p:grpSpPr>
+      <p:pic>
+        <p:nvPicPr>
+          <p:cNvPr id="11" name=""/>
+          <p:cNvPicPr>
+            <a:picLocks noChangeAspect="1"/>
+          </p:cNvPicPr>
+          <p:nvPr/>
+        </p:nvPicPr>
+        <p:blipFill rotWithShape="1">
+          <a:blip r:embed="rId2"/>
+          <a:stretch>
+            <a:fillRect/>
+          </a:stretch>
+        </p:blipFill>
+        <p:spPr>
+          <a:xfrm>
+            <a:off x="3908944" y="3228711"/>
+            <a:ext cx="1895588" cy="1895588"/>
+          </a:xfrm>
+          <a:prstGeom prst="rect">
+            <a:avLst/>
+          </a:prstGeom>
+        </p:spPr>
+      </p:pic>
+      <p:pic>
+        <p:nvPicPr>
+          <p:cNvPr id="12" name=""/>
+          <p:cNvPicPr>
+            <a:picLocks noChangeAspect="1"/>
+          </p:cNvPicPr>
+          <p:nvPr/>
+        </p:nvPicPr>
+        <p:blipFill rotWithShape="1">
+          <a:blip r:embed="rId3"/>
+          <a:stretch>
+            <a:fillRect/>
+          </a:stretch>
+        </p:blipFill>
+        <p:spPr>
+          <a:xfrm>
+            <a:off x="1929793" y="3376505"/>
+            <a:ext cx="1428571" cy="1600000"/>
+          </a:xfrm>
+          <a:prstGeom prst="rect">
+            <a:avLst/>
+          </a:prstGeom>
+        </p:spPr>
+      </p:pic>
+      <p:pic>
+        <p:nvPicPr>
+          <p:cNvPr id="13" name=""/>
+          <p:cNvPicPr>
+            <a:picLocks noChangeAspect="1"/>
+          </p:cNvPicPr>
+          <p:nvPr/>
+        </p:nvPicPr>
+        <p:blipFill rotWithShape="1">
+          <a:blip r:embed="rId4"/>
+          <a:stretch>
+            <a:fillRect/>
+          </a:stretch>
+        </p:blipFill>
+        <p:spPr>
+          <a:xfrm>
+            <a:off x="3147031" y="1605283"/>
+            <a:ext cx="1428571" cy="1428571"/>
+          </a:xfrm>
+          <a:prstGeom prst="rect">
+            <a:avLst/>
+          </a:prstGeom>
+        </p:spPr>
+      </p:pic>
+      <p:pic>
+        <p:nvPicPr>
+          <p:cNvPr id="14" name=""/>
+          <p:cNvPicPr>
+            <a:picLocks noChangeAspect="1"/>
+          </p:cNvPicPr>
+          <p:nvPr/>
+        </p:nvPicPr>
+        <p:blipFill rotWithShape="1">
+          <a:blip r:embed="rId5"/>
+          <a:stretch>
+            <a:fillRect/>
+          </a:stretch>
+        </p:blipFill>
+        <p:spPr>
+          <a:xfrm>
+            <a:off x="7363503" y="2839821"/>
+            <a:ext cx="2850863" cy="1178357"/>
+          </a:xfrm>
+          <a:prstGeom prst="rect">
+            <a:avLst/>
+          </a:prstGeom>
+        </p:spPr>
+      </p:pic>
+      <p:sp>
+        <p:nvSpPr>
+          <p:cNvPr id="15" name="사각형: 둥근 모서리 7"/>
+          <p:cNvSpPr/>
+          <p:nvPr/>
+        </p:nvSpPr>
+        <p:spPr>
+          <a:xfrm>
+            <a:off x="1463850" y="3265272"/>
+            <a:ext cx="4794932" cy="1895588"/>
+          </a:xfrm>
+          <a:prstGeom prst="roundRect">
+            <a:avLst>
+              <a:gd name="adj" fmla="val 16667"/>
+            </a:avLst>
+          </a:prstGeom>
+          <a:noFill/>
+          <a:ln w="38100">
+            <a:solidFill>
+              <a:srgbClr val="000000">
+                <a:alpha val="100000"/>
+              </a:srgbClr>
+            </a:solidFill>
+            <a:miter/>
+          </a:ln>
+        </p:spPr>
+        <p:txBody>
+          <a:bodyPr anchor="ctr"/>
+          <a:lstStyle/>
+          <a:p>
+            <a:pPr marL="0" indent="0" algn="ctr" defTabSz="914400" rtl="0" eaLnBrk="1" latinLnBrk="1" hangingPunct="1">
+              <a:lnSpc>
+                <a:spcPct val="150000"/>
+              </a:lnSpc>
+              <a:spcBef>
+                <a:spcPct val="0"/>
+              </a:spcBef>
+              <a:spcAft>
+                <a:spcPts val="0"/>
+              </a:spcAft>
+              <a:buFontTx/>
+              <a:buNone/>
+              <a:defRPr/>
+            </a:pPr>
+            <a:endParaRPr xmlns:mc="http://schemas.openxmlformats.org/markup-compatibility/2006" xmlns:hp="http://schemas.haansoft.com/office/presentation/8.0" kumimoji="0" lang="ko-KR" altLang="en-US" sz="2500" b="0" i="0" u="none" strike="noStrike" kern="1200" cap="none" spc="0" normalizeH="0" baseline="0" mc:Ignorable="hp" hp:hslEmbossed="0">
+              <a:solidFill>
+                <a:srgbClr val="000000"/>
+              </a:solidFill>
+              <a:latin typeface="맑은 고딕"/>
+              <a:ea typeface="맑은 고딕"/>
+              <a:cs typeface="Arial Unicode MS"/>
+            </a:endParaRPr>
+          </a:p>
+        </p:txBody>
+      </p:sp>
+      <p:sp>
+        <p:nvSpPr>
+          <p:cNvPr id="16" name="사각형: 둥근 모서리 7"/>
+          <p:cNvSpPr/>
+          <p:nvPr/>
+        </p:nvSpPr>
+        <p:spPr>
+          <a:xfrm>
+            <a:off x="1300144" y="1389799"/>
+            <a:ext cx="5191808" cy="4078400"/>
+          </a:xfrm>
+          <a:prstGeom prst="roundRect">
+            <a:avLst>
+              <a:gd name="adj" fmla="val 16667"/>
+            </a:avLst>
+          </a:prstGeom>
+          <a:noFill/>
+          <a:ln w="38100">
+            <a:solidFill>
+              <a:srgbClr val="000000">
+                <a:alpha val="100000"/>
+              </a:srgbClr>
+            </a:solidFill>
+            <a:miter/>
+          </a:ln>
+        </p:spPr>
+        <p:txBody>
+          <a:bodyPr anchor="ctr"/>
+          <a:lstStyle/>
+          <a:p>
+            <a:pPr marL="0" indent="0" algn="ctr" defTabSz="914400" rtl="0" eaLnBrk="1" latinLnBrk="1" hangingPunct="1">
+              <a:lnSpc>
+                <a:spcPct val="150000"/>
+              </a:lnSpc>
+              <a:spcBef>
+                <a:spcPct val="0"/>
+              </a:spcBef>
+              <a:spcAft>
+                <a:spcPts val="0"/>
+              </a:spcAft>
+              <a:buFontTx/>
+              <a:buNone/>
+              <a:defRPr/>
+            </a:pPr>
+            <a:endParaRPr xmlns:mc="http://schemas.openxmlformats.org/markup-compatibility/2006" xmlns:hp="http://schemas.haansoft.com/office/presentation/8.0" kumimoji="0" lang="ko-KR" altLang="en-US" sz="2500" b="0" i="0" u="none" strike="noStrike" kern="1200" cap="none" spc="0" normalizeH="0" baseline="0" mc:Ignorable="hp" hp:hslEmbossed="0">
+              <a:solidFill>
+                <a:srgbClr val="000000"/>
+              </a:solidFill>
+              <a:latin typeface="맑은 고딕"/>
+              <a:ea typeface="맑은 고딕"/>
+              <a:cs typeface="Arial Unicode MS"/>
+            </a:endParaRPr>
+          </a:p>
+        </p:txBody>
+      </p:sp>
+      <p:sp>
+        <p:nvSpPr>
+          <p:cNvPr id="17" name="사각형: 둥근 모서리 7"/>
+          <p:cNvSpPr/>
+          <p:nvPr/>
+        </p:nvSpPr>
+        <p:spPr>
+          <a:xfrm>
+            <a:off x="1034035" y="946169"/>
+            <a:ext cx="10123930" cy="4965661"/>
+          </a:xfrm>
+          <a:prstGeom prst="roundRect">
+            <a:avLst>
+              <a:gd name="adj" fmla="val 16667"/>
+            </a:avLst>
+          </a:prstGeom>
+          <a:noFill/>
+          <a:ln w="38100">
+            <a:solidFill>
+              <a:srgbClr val="000000">
+                <a:alpha val="100000"/>
+              </a:srgbClr>
+            </a:solidFill>
+            <a:miter/>
+          </a:ln>
+        </p:spPr>
+        <p:txBody>
+          <a:bodyPr anchor="ctr"/>
+          <a:lstStyle/>
+          <a:p>
+            <a:pPr marL="0" indent="0" algn="ctr" defTabSz="914400" rtl="0" eaLnBrk="1" latinLnBrk="1" hangingPunct="1">
+              <a:lnSpc>
+                <a:spcPct val="150000"/>
+              </a:lnSpc>
+              <a:spcBef>
+                <a:spcPct val="0"/>
+              </a:spcBef>
+              <a:spcAft>
+                <a:spcPts val="0"/>
+              </a:spcAft>
+              <a:buFontTx/>
+              <a:buNone/>
+              <a:defRPr/>
+            </a:pPr>
+            <a:endParaRPr xmlns:mc="http://schemas.openxmlformats.org/markup-compatibility/2006" xmlns:hp="http://schemas.haansoft.com/office/presentation/8.0" kumimoji="0" lang="ko-KR" altLang="en-US" sz="2500" b="0" i="0" u="none" strike="noStrike" kern="1200" cap="none" spc="0" normalizeH="0" baseline="0" mc:Ignorable="hp" hp:hslEmbossed="0">
+              <a:solidFill>
+                <a:srgbClr val="000000"/>
+              </a:solidFill>
+              <a:latin typeface="맑은 고딕"/>
+              <a:ea typeface="맑은 고딕"/>
+              <a:cs typeface="Arial Unicode MS"/>
+            </a:endParaRPr>
+          </a:p>
+        </p:txBody>
+      </p:sp>
+    </p:spTree>
+  </p:cSld>
+  <p:clrMapOvr>
+    <a:masterClrMapping/>
+  </p:clrMapOvr>
+  <mc:AlternateContent xmlns:mc="http://schemas.openxmlformats.org/markup-compatibility/2006">
+    <mc:Choice xmlns:p14="http://schemas.microsoft.com/office/powerpoint/2010/main" Requires="p14">
+      <p:transition xmlns:mc="http://schemas.openxmlformats.org/markup-compatibility/2006" xmlns:p14="http://schemas.microsoft.com/office/powerpoint/2010/main" mc:Ignorable="p14" p14:dur="500"/>
+    </mc:Choice>
+    <mc:Fallback>
+      <p:transition/>
+    </mc:Fallback>
+  </mc:AlternateContent>
+</p:sld>
+</file>
+
+<file path=ppt/slides/slide8.xml><?xml version="1.0" encoding="utf-8"?>
+<p:sld xmlns:r="http://schemas.openxmlformats.org/officeDocument/2006/relationships" xmlns:c="http://schemas.openxmlformats.org/drawingml/2006/chart" xmlns:a="http://schemas.openxmlformats.org/drawingml/2006/main" xmlns:dgm="http://schemas.openxmlformats.org/drawingml/2006/diagram" xmlns:dsp="http://schemas.microsoft.com/office/drawing/2008/diagram" xmlns:p="http://schemas.openxmlformats.org/presentationml/2006/main">
+  <p:cSld>
+    <p:spTree>
+      <p:nvGrpSpPr>
+        <p:cNvPr id="1" name=""/>
+        <p:cNvGrpSpPr/>
+        <p:nvPr/>
+      </p:nvGrpSpPr>
+      <p:grpSpPr>
+        <a:xfrm>
+          <a:off x="0" y="0"/>
+          <a:ext cx="0" cy="0"/>
+          <a:chOff x="0" y="0"/>
+          <a:chExt cx="0" cy="0"/>
+        </a:xfrm>
+      </p:grpSpPr>
       <p:sp>
         <p:nvSpPr>
           <p:cNvPr id="4" name="직사각형 3"/>
@@ -3518,8 +7483,8 @@
         </p:nvSpPr>
         <p:spPr>
           <a:xfrm>
-            <a:off x="3502184" y="1065200"/>
-            <a:ext cx="2423311" cy="1710028"/>
+            <a:off x="3502184" y="1068101"/>
+            <a:ext cx="4850395" cy="1179862"/>
           </a:xfrm>
           <a:prstGeom prst="rect">
             <a:avLst/>
@@ -3555,14 +7520,6 @@
               <a:defRPr/>
             </a:pPr>
             <a:r>
-              <a:rPr lang="en-US" altLang="ko-KR">
-                <a:solidFill>
-                  <a:sysClr val="windowText" lastClr="000000"/>
-                </a:solidFill>
-              </a:rPr>
-              <a:t>2. </a:t>
-            </a:r>
-            <a:r>
               <a:rPr lang="ko-KR" altLang="en-US">
                 <a:solidFill>
                   <a:sysClr val="windowText" lastClr="000000"/>
@@ -3570,6 +7527,38 @@
               </a:rPr>
               <a:t>개요 </a:t>
             </a:r>
+            <a:r>
+              <a:rPr lang="en-US" altLang="ko-KR">
+                <a:solidFill>
+                  <a:sysClr val="windowText" lastClr="000000"/>
+                </a:solidFill>
+              </a:rPr>
+              <a:t>(2</a:t>
+            </a:r>
+            <a:r>
+              <a:rPr lang="ko-KR" altLang="en-US">
+                <a:solidFill>
+                  <a:sysClr val="windowText" lastClr="000000"/>
+                </a:solidFill>
+              </a:rPr>
+              <a:t>번 슬라이드</a:t>
+            </a:r>
+            <a:r>
+              <a:rPr lang="en-US" altLang="ko-KR">
+                <a:solidFill>
+                  <a:sysClr val="windowText" lastClr="000000"/>
+                </a:solidFill>
+              </a:rPr>
+              <a:t>)</a:t>
+            </a:r>
+            <a:r>
+              <a:rPr lang="ko-KR" altLang="en-US">
+                <a:solidFill>
+                  <a:sysClr val="windowText" lastClr="000000"/>
+                </a:solidFill>
+              </a:rPr>
+              <a:t> </a:t>
+            </a:r>
             <a:endParaRPr lang="ko-KR" altLang="en-US">
               <a:solidFill>
                 <a:sysClr val="windowText" lastClr="000000"/>
@@ -3586,8 +7575,8 @@
         </p:nvSpPr>
         <p:spPr>
           <a:xfrm>
-            <a:off x="3498413" y="4786563"/>
-            <a:ext cx="4854166" cy="1541356"/>
+            <a:off x="3498413" y="2376335"/>
+            <a:ext cx="4854166" cy="1113222"/>
           </a:xfrm>
           <a:prstGeom prst="rect">
             <a:avLst/>
@@ -3623,12 +7612,20 @@
               <a:defRPr/>
             </a:pPr>
             <a:r>
+              <a:rPr lang="ko-KR" altLang="en-US">
+                <a:solidFill>
+                  <a:sysClr val="windowText" lastClr="000000"/>
+                </a:solidFill>
+              </a:rPr>
+              <a:t>흐름도</a:t>
+            </a:r>
+            <a:r>
               <a:rPr lang="en-US" altLang="ko-KR">
                 <a:solidFill>
                   <a:sysClr val="windowText" lastClr="000000"/>
                 </a:solidFill>
               </a:rPr>
-              <a:t>6.</a:t>
+              <a:t>(3</a:t>
             </a:r>
             <a:r>
               <a:rPr lang="ko-KR" altLang="en-US">
@@ -3636,9 +7633,17 @@
                   <a:sysClr val="windowText" lastClr="000000"/>
                 </a:solidFill>
               </a:rPr>
-              <a:t> 흐름도</a:t>
-            </a:r>
-            <a:endParaRPr lang="ko-KR" altLang="en-US">
+              <a:t>번 슬라이드</a:t>
+            </a:r>
+            <a:r>
+              <a:rPr lang="en-US" altLang="ko-KR">
+                <a:solidFill>
+                  <a:sysClr val="windowText" lastClr="000000"/>
+                </a:solidFill>
+              </a:rPr>
+              <a:t>)</a:t>
+            </a:r>
+            <a:endParaRPr lang="en-US" altLang="ko-KR">
               <a:solidFill>
                 <a:sysClr val="windowText" lastClr="000000"/>
               </a:solidFill>
@@ -3654,8 +7659,8 @@
         </p:nvSpPr>
         <p:spPr>
           <a:xfrm>
-            <a:off x="5982834" y="1065200"/>
-            <a:ext cx="2373515" cy="1710028"/>
+            <a:off x="5979063" y="5147972"/>
+            <a:ext cx="2373515" cy="1257027"/>
           </a:xfrm>
           <a:prstGeom prst="rect">
             <a:avLst/>
@@ -3691,14 +7696,6 @@
               <a:defRPr/>
             </a:pPr>
             <a:r>
-              <a:rPr lang="en-US" altLang="ko-KR">
-                <a:solidFill>
-                  <a:sysClr val="windowText" lastClr="000000"/>
-                </a:solidFill>
-              </a:rPr>
-              <a:t>3. </a:t>
-            </a:r>
-            <a:r>
               <a:rPr lang="ko-KR" altLang="en-US">
                 <a:solidFill>
                   <a:sysClr val="windowText" lastClr="000000"/>
@@ -3706,7 +7703,38 @@
               </a:rPr>
               <a:t>개발기술 및 도구</a:t>
             </a:r>
-            <a:endParaRPr lang="ko-KR" altLang="en-US">
+            <a:br>
+              <a:rPr lang="ko-KR" altLang="en-US">
+                <a:solidFill>
+                  <a:sysClr val="windowText" lastClr="000000"/>
+                </a:solidFill>
+              </a:rPr>
+            </a:br>
+            <a:r>
+              <a:rPr lang="en-US" altLang="ko-KR">
+                <a:solidFill>
+                  <a:sysClr val="windowText" lastClr="000000"/>
+                </a:solidFill>
+              </a:rPr>
+              <a:t>(7</a:t>
+            </a:r>
+            <a:r>
+              <a:rPr lang="ko-KR" altLang="en-US">
+                <a:solidFill>
+                  <a:sysClr val="windowText" lastClr="000000"/>
+                </a:solidFill>
+              </a:rPr>
+              <a:t>번 슬라이드</a:t>
+            </a:r>
+            <a:r>
+              <a:rPr lang="en-US" altLang="ko-KR">
+                <a:solidFill>
+                  <a:sysClr val="windowText" lastClr="000000"/>
+                </a:solidFill>
+              </a:rPr>
+              <a:t>)</a:t>
+            </a:r>
+            <a:endParaRPr lang="en-US" altLang="ko-KR">
               <a:solidFill>
                 <a:sysClr val="windowText" lastClr="000000"/>
               </a:solidFill>
@@ -3759,12 +7787,20 @@
               <a:defRPr/>
             </a:pPr>
             <a:r>
+              <a:rPr lang="ko-KR" altLang="en-US">
+                <a:solidFill>
+                  <a:sysClr val="windowText" lastClr="000000"/>
+                </a:solidFill>
+              </a:rPr>
+              <a:t>이름 </a:t>
+            </a:r>
+            <a:r>
               <a:rPr lang="en-US" altLang="ko-KR">
                 <a:solidFill>
                   <a:sysClr val="windowText" lastClr="000000"/>
                 </a:solidFill>
               </a:rPr>
-              <a:t>1. </a:t>
+              <a:t>(1</a:t>
             </a:r>
             <a:r>
               <a:rPr lang="ko-KR" altLang="en-US">
@@ -3772,9 +7808,17 @@
                   <a:sysClr val="windowText" lastClr="000000"/>
                 </a:solidFill>
               </a:rPr>
-              <a:t>이름</a:t>
-            </a:r>
-            <a:endParaRPr lang="ko-KR" altLang="en-US">
+              <a:t>번 슬라이드</a:t>
+            </a:r>
+            <a:r>
+              <a:rPr lang="en-US" altLang="ko-KR">
+                <a:solidFill>
+                  <a:sysClr val="windowText" lastClr="000000"/>
+                </a:solidFill>
+              </a:rPr>
+              <a:t>)</a:t>
+            </a:r>
+            <a:endParaRPr lang="en-US" altLang="ko-KR">
               <a:solidFill>
                 <a:sysClr val="windowText" lastClr="000000"/>
               </a:solidFill>
@@ -3790,8 +7834,8 @@
         </p:nvSpPr>
         <p:spPr>
           <a:xfrm>
-            <a:off x="3498412" y="2836915"/>
-            <a:ext cx="2423311" cy="1710028"/>
+            <a:off x="3498412" y="3579828"/>
+            <a:ext cx="4854166" cy="1468631"/>
           </a:xfrm>
           <a:prstGeom prst="rect">
             <a:avLst/>
@@ -3832,7 +7876,7 @@
                 <a:ea typeface="맑은 고딕"/>
                 <a:cs typeface="맑은 고딕"/>
               </a:rPr>
-              <a:t>4.</a:t>
+              <a:t>Main UI</a:t>
             </a:r>
             <a:r>
               <a:rPr xmlns:mc="http://schemas.openxmlformats.org/markup-compatibility/2006" xmlns:hp="http://schemas.haansoft.com/office/presentation/8.0" kumimoji="0" lang="ko-KR" altLang="en-US" sz="1800" b="0" i="0" u="none" strike="noStrike" kern="1200" cap="none" spc="0" normalizeH="0" baseline="0" mc:Ignorable="hp" hp:hslEmbossed="0">
@@ -3854,7 +7898,7 @@
                 <a:ea typeface="맑은 고딕"/>
                 <a:cs typeface="맑은 고딕"/>
               </a:rPr>
-              <a:t>Main UI</a:t>
+              <a:t>(4,</a:t>
             </a:r>
             <a:r>
               <a:rPr xmlns:mc="http://schemas.openxmlformats.org/markup-compatibility/2006" xmlns:hp="http://schemas.haansoft.com/office/presentation/8.0" kumimoji="0" lang="ko-KR" altLang="en-US" sz="1800" b="0" i="0" u="none" strike="noStrike" kern="1200" cap="none" spc="0" normalizeH="0" baseline="0" mc:Ignorable="hp" hp:hslEmbossed="0">
@@ -3867,7 +7911,40 @@
               </a:rPr>
               <a:t> </a:t>
             </a:r>
-            <a:endParaRPr xmlns:mc="http://schemas.openxmlformats.org/markup-compatibility/2006" xmlns:hp="http://schemas.haansoft.com/office/presentation/8.0" kumimoji="0" lang="ko-KR" altLang="en-US" sz="1800" b="0" i="0" u="none" strike="noStrike" kern="1200" cap="none" spc="0" normalizeH="0" baseline="0" mc:Ignorable="hp" hp:hslEmbossed="0">
+            <a:r>
+              <a:rPr xmlns:mc="http://schemas.openxmlformats.org/markup-compatibility/2006" xmlns:hp="http://schemas.haansoft.com/office/presentation/8.0" kumimoji="0" lang="en-US" altLang="ko-KR" sz="1800" b="0" i="0" u="none" strike="noStrike" kern="1200" cap="none" spc="0" normalizeH="0" baseline="0" mc:Ignorable="hp" hp:hslEmbossed="0">
+                <a:solidFill>
+                  <a:srgbClr val="000000"/>
+                </a:solidFill>
+                <a:latin typeface="Calibri"/>
+                <a:ea typeface="맑은 고딕"/>
+                <a:cs typeface="맑은 고딕"/>
+              </a:rPr>
+              <a:t>5</a:t>
+            </a:r>
+            <a:r>
+              <a:rPr xmlns:mc="http://schemas.openxmlformats.org/markup-compatibility/2006" xmlns:hp="http://schemas.haansoft.com/office/presentation/8.0" kumimoji="0" lang="ko-KR" altLang="en-US" sz="1800" b="0" i="0" u="none" strike="noStrike" kern="1200" cap="none" spc="0" normalizeH="0" baseline="0" mc:Ignorable="hp" hp:hslEmbossed="0">
+                <a:solidFill>
+                  <a:srgbClr val="000000"/>
+                </a:solidFill>
+                <a:latin typeface="Calibri"/>
+                <a:ea typeface="맑은 고딕"/>
+                <a:cs typeface="맑은 고딕"/>
+              </a:rPr>
+              <a:t>번 슬라이드</a:t>
+            </a:r>
+            <a:r>
+              <a:rPr xmlns:mc="http://schemas.openxmlformats.org/markup-compatibility/2006" xmlns:hp="http://schemas.haansoft.com/office/presentation/8.0" kumimoji="0" lang="en-US" altLang="ko-KR" sz="1800" b="0" i="0" u="none" strike="noStrike" kern="1200" cap="none" spc="0" normalizeH="0" baseline="0" mc:Ignorable="hp" hp:hslEmbossed="0">
+                <a:solidFill>
+                  <a:srgbClr val="000000"/>
+                </a:solidFill>
+                <a:latin typeface="Calibri"/>
+                <a:ea typeface="맑은 고딕"/>
+                <a:cs typeface="맑은 고딕"/>
+              </a:rPr>
+              <a:t>)</a:t>
+            </a:r>
+            <a:endParaRPr xmlns:mc="http://schemas.openxmlformats.org/markup-compatibility/2006" xmlns:hp="http://schemas.haansoft.com/office/presentation/8.0" kumimoji="0" lang="en-US" altLang="ko-KR" sz="1800" b="0" i="0" u="none" strike="noStrike" kern="1200" cap="none" spc="0" normalizeH="0" baseline="0" mc:Ignorable="hp" hp:hslEmbossed="0">
               <a:solidFill>
                 <a:srgbClr val="000000"/>
               </a:solidFill>
@@ -3886,8 +7963,8 @@
         </p:nvSpPr>
         <p:spPr>
           <a:xfrm>
-            <a:off x="5982834" y="2846836"/>
-            <a:ext cx="2423311" cy="1710028"/>
+            <a:off x="3498412" y="5157893"/>
+            <a:ext cx="2373515" cy="1250814"/>
           </a:xfrm>
           <a:prstGeom prst="rect">
             <a:avLst/>
@@ -3928,7 +8005,50 @@
                 <a:ea typeface="맑은 고딕"/>
                 <a:cs typeface="맑은 고딕"/>
               </a:rPr>
-              <a:t>5. System Info UI</a:t>
+              <a:t>System Info UI</a:t>
+            </a:r>
+            <a:br>
+              <a:rPr xmlns:mc="http://schemas.openxmlformats.org/markup-compatibility/2006" xmlns:hp="http://schemas.haansoft.com/office/presentation/8.0" kumimoji="0" lang="en-US" altLang="ko-KR" sz="1800" b="0" i="0" u="none" strike="noStrike" kern="1200" cap="none" spc="0" normalizeH="0" baseline="0" mc:Ignorable="hp" hp:hslEmbossed="0">
+                <a:solidFill>
+                  <a:srgbClr val="000000"/>
+                </a:solidFill>
+                <a:latin typeface="Calibri"/>
+                <a:ea typeface="맑은 고딕"/>
+                <a:cs typeface="맑은 고딕"/>
+              </a:rPr>
+            </a:br>
+            <a:r>
+              <a:rPr xmlns:mc="http://schemas.openxmlformats.org/markup-compatibility/2006" xmlns:hp="http://schemas.haansoft.com/office/presentation/8.0" kumimoji="0" lang="en-US" altLang="ko-KR" sz="1800" b="0" i="0" u="none" strike="noStrike" kern="1200" cap="none" spc="0" normalizeH="0" baseline="0" mc:Ignorable="hp" hp:hslEmbossed="0">
+                <a:solidFill>
+                  <a:srgbClr val="000000"/>
+                </a:solidFill>
+                <a:latin typeface="Calibri"/>
+                <a:ea typeface="맑은 고딕"/>
+                <a:cs typeface="맑은 고딕"/>
+              </a:rPr>
+              <a:t>(6</a:t>
+            </a:r>
+            <a:r>
+              <a:rPr xmlns:mc="http://schemas.openxmlformats.org/markup-compatibility/2006" xmlns:hp="http://schemas.haansoft.com/office/presentation/8.0" kumimoji="0" lang="ko-KR" altLang="en-US" sz="1800" b="0" i="0" u="none" strike="noStrike" kern="1200" cap="none" spc="0" normalizeH="0" baseline="0" mc:Ignorable="hp" hp:hslEmbossed="0">
+                <a:solidFill>
+                  <a:srgbClr val="000000"/>
+                </a:solidFill>
+                <a:latin typeface="Calibri"/>
+                <a:ea typeface="맑은 고딕"/>
+                <a:cs typeface="맑은 고딕"/>
+              </a:rPr>
+              <a:t>번 슬라이드</a:t>
+            </a:r>
+            <a:r>
+              <a:rPr xmlns:mc="http://schemas.openxmlformats.org/markup-compatibility/2006" xmlns:hp="http://schemas.haansoft.com/office/presentation/8.0" kumimoji="0" lang="en-US" altLang="ko-KR" sz="1800" b="0" i="0" u="none" strike="noStrike" kern="1200" cap="none" spc="0" normalizeH="0" baseline="0" mc:Ignorable="hp" hp:hslEmbossed="0">
+                <a:solidFill>
+                  <a:srgbClr val="000000"/>
+                </a:solidFill>
+                <a:latin typeface="Calibri"/>
+                <a:ea typeface="맑은 고딕"/>
+                <a:cs typeface="맑은 고딕"/>
+              </a:rPr>
+              <a:t>)</a:t>
             </a:r>
             <a:r>
               <a:rPr xmlns:mc="http://schemas.openxmlformats.org/markup-compatibility/2006" xmlns:hp="http://schemas.haansoft.com/office/presentation/8.0" kumimoji="0" lang="ko-KR" altLang="en-US" sz="1800" b="0" i="0" u="none" strike="noStrike" kern="1200" cap="none" spc="0" normalizeH="0" baseline="0" mc:Ignorable="hp" hp:hslEmbossed="0">
@@ -4220,4 +8340,271 @@
     </a:fmtScheme>
   </a:themeElements>
 </a:theme>
+</file>
+
+<file path=ppt/theme/theme2.xml><?xml version="1.0" encoding="utf-8"?>
+<a:theme xmlns:r="http://schemas.openxmlformats.org/officeDocument/2006/relationships" xmlns:c="http://schemas.openxmlformats.org/drawingml/2006/chart" xmlns:dgm="http://schemas.openxmlformats.org/drawingml/2006/diagram" xmlns:dsp="http://schemas.microsoft.com/office/drawing/2008/diagram" xmlns:a="http://schemas.openxmlformats.org/drawingml/2006/main" xmlns:pic="http://schemas.openxmlformats.org/drawingml/2006/picture" xmlns:wp="http://schemas.openxmlformats.org/drawingml/2006/wordprocessingDrawing" xmlns:xdr="http://schemas.openxmlformats.org/drawingml/2006/spreadsheetDrawing" xmlns:lc="http://schemas.openxmlformats.org/drawingml/2006/lockedCanvas" xmlns:p="http://schemas.openxmlformats.org/presentationml/2006/main" name="한컴오피스">
+  <a:themeElements>
+    <a:clrScheme name="한컴오피스">
+      <a:dk1>
+        <a:sysClr val="windowText" lastClr="000000"/>
+      </a:dk1>
+      <a:lt1>
+        <a:sysClr val="window" lastClr="ffffff"/>
+      </a:lt1>
+      <a:dk2>
+        <a:srgbClr val="3a3c84"/>
+      </a:dk2>
+      <a:lt2>
+        <a:srgbClr val="faf3db"/>
+      </a:lt2>
+      <a:accent1>
+        <a:srgbClr val="6182d6"/>
+      </a:accent1>
+      <a:accent2>
+        <a:srgbClr val="ff843a"/>
+      </a:accent2>
+      <a:accent3>
+        <a:srgbClr val="b2b2b2"/>
+      </a:accent3>
+      <a:accent4>
+        <a:srgbClr val="ffd700"/>
+      </a:accent4>
+      <a:accent5>
+        <a:srgbClr val="289b6e"/>
+      </a:accent5>
+      <a:accent6>
+        <a:srgbClr val="9d5cbb"/>
+      </a:accent6>
+      <a:hlink>
+        <a:srgbClr val="0000ff"/>
+      </a:hlink>
+      <a:folHlink>
+        <a:srgbClr val="800080"/>
+      </a:folHlink>
+    </a:clrScheme>
+    <a:fontScheme name="한컴오피스">
+      <a:majorFont>
+        <a:latin typeface="Calibri"/>
+        <a:ea typeface=""/>
+        <a:cs typeface=""/>
+        <a:font script="Jpan" typeface="MS PGothic"/>
+        <a:font script="Hang" typeface="맑은 고딕"/>
+        <a:font script="Hans" typeface="SimSun"/>
+        <a:font script="Hant" typeface="新細明體"/>
+        <a:font script="Arab" typeface="Times New Roman"/>
+        <a:font script="Hebr" typeface="Times New Roman"/>
+        <a:font script="Thai" typeface="Angsana New"/>
+        <a:font script="Beng" typeface="Vrinda"/>
+        <a:font script="Gujr" typeface="Shruti"/>
+        <a:font script="Khmr" typeface="MoolBoran"/>
+        <a:font script="Knda" typeface="Tunga"/>
+        <a:font script="Guru" typeface="Raavi"/>
+        <a:font script="Cans" typeface="Euphemia"/>
+        <a:font script="Cher" typeface="Plantagenet Cherokee"/>
+        <a:font script="Yiii" typeface="Microsoft Yi Baiti"/>
+        <a:font script="Tibt" typeface="Microsoft Himalaya"/>
+        <a:font script="Thaa" typeface="MV Boli"/>
+        <a:font script="Deva" typeface="Mangal"/>
+        <a:font script="Telu" typeface="Gautami"/>
+        <a:font script="Taml" typeface="Latha"/>
+        <a:font script="Syrc" typeface="Estrangelo Edessa"/>
+        <a:font script="Orya" typeface="Kalinga"/>
+        <a:font script="Mlym" typeface="Kartika"/>
+        <a:font script="Laoo" typeface="DokChampa"/>
+        <a:font script="Sinh" typeface="Iskoola Pota"/>
+        <a:font script="Mong" typeface="Mongolian Baiti"/>
+        <a:font script="Viet" typeface="Times New Roman"/>
+        <a:font script="Uigh" typeface="Microsoft Uighur"/>
+        <a:font script="Ethi" typeface="Leelawadee UI"/>
+        <a:font script="Mymr" typeface="Myanmar Text"/>
+      </a:majorFont>
+      <a:minorFont>
+        <a:latin typeface="Calibri"/>
+        <a:ea typeface=""/>
+        <a:cs typeface=""/>
+        <a:font script="Jpan" typeface="MS PGothic"/>
+        <a:font script="Hang" typeface="맑은 고딕"/>
+        <a:font script="Hans" typeface="SimSun"/>
+        <a:font script="Hant" typeface="新細明體"/>
+        <a:font script="Arab" typeface="Times New Roman"/>
+        <a:font script="Hebr" typeface="Times New Roman"/>
+        <a:font script="Thai" typeface="Angsana New"/>
+        <a:font script="Beng" typeface="Vrinda"/>
+        <a:font script="Gujr" typeface="Shruti"/>
+        <a:font script="Khmr" typeface="MoolBoran"/>
+        <a:font script="Knda" typeface="Tunga"/>
+        <a:font script="Guru" typeface="Raavi"/>
+        <a:font script="Cans" typeface="Euphemia"/>
+        <a:font script="Cher" typeface="Plantagenet Cherokee"/>
+        <a:font script="Yiii" typeface="Microsoft Yi Baiti"/>
+        <a:font script="Tibt" typeface="Microsoft Himalaya"/>
+        <a:font script="Thaa" typeface="MV Boli"/>
+        <a:font script="Deva" typeface="Mangal"/>
+        <a:font script="Telu" typeface="Gautami"/>
+        <a:font script="Taml" typeface="Latha"/>
+        <a:font script="Syrc" typeface="Estrangelo Edessa"/>
+        <a:font script="Orya" typeface="Kalinga"/>
+        <a:font script="Mlym" typeface="Kartika"/>
+        <a:font script="Laoo" typeface="DokChampa"/>
+        <a:font script="Sinh" typeface="Iskoola Pota"/>
+        <a:font script="Mong" typeface="Mongolian Baiti"/>
+        <a:font script="Viet" typeface="Times New Roman"/>
+        <a:font script="Uigh" typeface="Microsoft Uighur"/>
+        <a:font script="Ethi" typeface="Leelawadee UI"/>
+        <a:font script="Mymr" typeface="Myanmar Text"/>
+      </a:minorFont>
+    </a:fontScheme>
+    <a:fmtScheme name="한컴오피스">
+      <a:fillStyleLst>
+        <a:solidFill>
+          <a:schemeClr val="phClr"/>
+        </a:solidFill>
+        <a:gradFill rotWithShape="1">
+          <a:gsLst>
+            <a:gs pos="0">
+              <a:schemeClr val="phClr">
+                <a:tint val="50000"/>
+                <a:satMod val="300000"/>
+              </a:schemeClr>
+            </a:gs>
+            <a:gs pos="35000">
+              <a:schemeClr val="phClr">
+                <a:tint val="37000"/>
+                <a:satMod val="300000"/>
+              </a:schemeClr>
+            </a:gs>
+            <a:gs pos="100000">
+              <a:schemeClr val="phClr">
+                <a:tint val="15000"/>
+                <a:satMod val="350000"/>
+              </a:schemeClr>
+            </a:gs>
+          </a:gsLst>
+          <a:lin ang="16200000" scaled="1"/>
+        </a:gradFill>
+        <a:gradFill rotWithShape="1">
+          <a:gsLst>
+            <a:gs pos="0">
+              <a:schemeClr val="phClr">
+                <a:shade val="51000"/>
+                <a:satMod val="130000"/>
+              </a:schemeClr>
+            </a:gs>
+            <a:gs pos="80000">
+              <a:schemeClr val="phClr">
+                <a:shade val="93000"/>
+                <a:satMod val="130000"/>
+              </a:schemeClr>
+            </a:gs>
+            <a:gs pos="100000">
+              <a:schemeClr val="phClr">
+                <a:shade val="94000"/>
+                <a:satMod val="135000"/>
+              </a:schemeClr>
+            </a:gs>
+          </a:gsLst>
+          <a:lin ang="16200000" scaled="0"/>
+        </a:gradFill>
+      </a:fillStyleLst>
+      <a:lnStyleLst>
+        <a:ln w="12700" cap="flat" cmpd="sng" algn="ctr">
+          <a:solidFill>
+            <a:schemeClr val="phClr">
+              <a:satMod val="105000"/>
+            </a:schemeClr>
+          </a:solidFill>
+          <a:prstDash val="solid"/>
+        </a:ln>
+        <a:ln w="19050" cap="flat" cmpd="sng" algn="ctr">
+          <a:solidFill>
+            <a:schemeClr val="phClr"/>
+          </a:solidFill>
+          <a:prstDash val="solid"/>
+        </a:ln>
+        <a:ln w="38100" cap="flat" cmpd="sng" algn="ctr">
+          <a:solidFill>
+            <a:schemeClr val="phClr"/>
+          </a:solidFill>
+          <a:prstDash val="solid"/>
+        </a:ln>
+      </a:lnStyleLst>
+      <a:effectStyleLst>
+        <a:effectStyle>
+          <a:effectLst>
+            <a:outerShdw blurRad="38100" dist="25400" dir="5400000" rotWithShape="0">
+              <a:srgbClr val="000000">
+                <a:alpha val="75000"/>
+              </a:srgbClr>
+            </a:outerShdw>
+          </a:effectLst>
+        </a:effectStyle>
+        <a:effectStyle>
+          <a:effectLst>
+            <a:outerShdw blurRad="38100" dist="25400" dir="5400000" rotWithShape="0">
+              <a:srgbClr val="000000">
+                <a:alpha val="75000"/>
+              </a:srgbClr>
+            </a:outerShdw>
+          </a:effectLst>
+        </a:effectStyle>
+        <a:effectStyle>
+          <a:effectLst>
+            <a:reflection blurRad="12700" stA="26000" endPos="28000" dist="38100" dir="5400000" sy="-100000" rotWithShape="0"/>
+          </a:effectLst>
+        </a:effectStyle>
+      </a:effectStyleLst>
+      <a:bgFillStyleLst>
+        <a:solidFill>
+          <a:schemeClr val="phClr"/>
+        </a:solidFill>
+        <a:gradFill rotWithShape="1">
+          <a:gsLst>
+            <a:gs pos="0">
+              <a:schemeClr val="phClr">
+                <a:tint val="40000"/>
+                <a:satMod val="350000"/>
+              </a:schemeClr>
+            </a:gs>
+            <a:gs pos="40000">
+              <a:schemeClr val="phClr">
+                <a:tint val="45000"/>
+                <a:shade val="99000"/>
+                <a:satMod val="350000"/>
+              </a:schemeClr>
+            </a:gs>
+            <a:gs pos="100000">
+              <a:schemeClr val="phClr">
+                <a:shade val="20000"/>
+                <a:satMod val="255000"/>
+              </a:schemeClr>
+            </a:gs>
+          </a:gsLst>
+          <a:path path="circle">
+            <a:fillToRect l="50000" t="-80000" r="50000" b="180000"/>
+          </a:path>
+        </a:gradFill>
+        <a:gradFill rotWithShape="1">
+          <a:gsLst>
+            <a:gs pos="0">
+              <a:schemeClr val="phClr">
+                <a:tint val="80000"/>
+                <a:satMod val="300000"/>
+              </a:schemeClr>
+            </a:gs>
+            <a:gs pos="100000">
+              <a:schemeClr val="phClr">
+                <a:shade val="30000"/>
+                <a:satMod val="200000"/>
+              </a:schemeClr>
+            </a:gs>
+          </a:gsLst>
+          <a:path path="circle">
+            <a:fillToRect l="50000" t="50000" r="50000" b="50000"/>
+          </a:path>
+        </a:gradFill>
+      </a:bgFillStyleLst>
+    </a:fmtScheme>
+  </a:themeElements>
+</a:theme>
 </file>
--- a/A조 폼보드.pptx
+++ b/A조 폼보드.pptx
@@ -2,7 +2,7 @@
 <file path=ppt/presentation.xml><?xml version="1.0" encoding="utf-8"?>
 <p:presentation xmlns:r="http://schemas.openxmlformats.org/officeDocument/2006/relationships" xmlns:c="http://schemas.openxmlformats.org/drawingml/2006/chart" xmlns:a="http://schemas.openxmlformats.org/drawingml/2006/main" xmlns:dgm="http://schemas.openxmlformats.org/drawingml/2006/diagram" xmlns:dsp="http://schemas.microsoft.com/office/drawing/2008/diagram" xmlns:p="http://schemas.openxmlformats.org/presentationml/2006/main">
   <p:sldMasterIdLst>
-    <p:sldMasterId id="2147483686" r:id="rId1"/>
+    <p:sldMasterId id="2147483688" r:id="rId1"/>
   </p:sldMasterIdLst>
   <p:notesMasterIdLst>
     <p:notesMasterId r:id="rId2"/>
@@ -3565,25 +3565,23 @@
       </p:grpSpPr>
       <p:sp>
         <p:nvSpPr>
-          <p:cNvPr id="3" name="내용 개체 틀 2"/>
-          <p:cNvSpPr>
-            <a:spLocks noGrp="1"/>
-          </p:cNvSpPr>
-          <p:nvPr>
-            <p:ph idx="1"/>
-          </p:nvPr>
-        </p:nvSpPr>
-        <p:spPr>
-          <a:xfrm>
-            <a:off x="571500" y="1530350"/>
-            <a:ext cx="10515600" cy="4351338"/>
-          </a:xfrm>
-        </p:spPr>
-        <p:txBody>
-          <a:bodyPr>
-            <a:normAutofit/>
+          <p:cNvPr id="5" name=""/>
+          <p:cNvSpPr txBox="1"/>
+          <p:nvPr/>
+        </p:nvSpPr>
+        <p:spPr>
+          <a:xfrm>
+            <a:off x="3048000" y="2687002"/>
+            <a:ext cx="6096000" cy="1483995"/>
+          </a:xfrm>
+          <a:prstGeom prst="rect">
+            <a:avLst/>
+          </a:prstGeom>
+        </p:spPr>
+        <p:txBody>
+          <a:bodyPr wrap="square">
+            <a:spAutoFit/>
           </a:bodyPr>
-          <a:lstStyle/>
           <a:p>
             <a:pPr marL="0" indent="0">
               <a:buNone/>
@@ -3651,23 +3649,6 @@
               <a:rPr lang="ko-KR" altLang="en-US" sz="1600" b="1"/>
               <a:t> 계민석</a:t>
             </a:r>
-            <a:br>
-              <a:rPr lang="en-US" altLang="ko-KR" sz="2800"/>
-            </a:br>
-            <a:endParaRPr lang="en-US" altLang="ko-KR" sz="2800"/>
-          </a:p>
-          <a:p>
-            <a:pPr marL="0" indent="0">
-              <a:buNone/>
-              <a:defRPr/>
-            </a:pPr>
-            <a:endParaRPr lang="en-US" altLang="ko-KR" sz="2800"/>
-          </a:p>
-          <a:p>
-            <a:pPr marL="0" indent="0">
-              <a:buNone/>
-              <a:defRPr/>
-            </a:pPr>
             <a:br>
               <a:rPr lang="en-US" altLang="ko-KR" sz="2800"/>
             </a:br>
